--- a/מקרר חכם.pptx
+++ b/מקרר חכם.pptx
@@ -5,38 +5,37 @@
     <p:sldMasterId id="2147483659" r:id="rId1"/>
   </p:sldMasterIdLst>
   <p:notesMasterIdLst>
-    <p:notesMasterId r:id="rId18"/>
+    <p:notesMasterId r:id="rId17"/>
   </p:notesMasterIdLst>
   <p:sldIdLst>
     <p:sldId id="256" r:id="rId2"/>
     <p:sldId id="257" r:id="rId3"/>
     <p:sldId id="258" r:id="rId4"/>
-    <p:sldId id="259" r:id="rId5"/>
-    <p:sldId id="261" r:id="rId6"/>
-    <p:sldId id="260" r:id="rId7"/>
-    <p:sldId id="269" r:id="rId8"/>
-    <p:sldId id="270" r:id="rId9"/>
-    <p:sldId id="271" r:id="rId10"/>
-    <p:sldId id="275" r:id="rId11"/>
-    <p:sldId id="273" r:id="rId12"/>
-    <p:sldId id="274" r:id="rId13"/>
-    <p:sldId id="263" r:id="rId14"/>
-    <p:sldId id="264" r:id="rId15"/>
-    <p:sldId id="266" r:id="rId16"/>
-    <p:sldId id="267" r:id="rId17"/>
+    <p:sldId id="276" r:id="rId5"/>
+    <p:sldId id="259" r:id="rId6"/>
+    <p:sldId id="261" r:id="rId7"/>
+    <p:sldId id="260" r:id="rId8"/>
+    <p:sldId id="269" r:id="rId9"/>
+    <p:sldId id="270" r:id="rId10"/>
+    <p:sldId id="271" r:id="rId11"/>
+    <p:sldId id="275" r:id="rId12"/>
+    <p:sldId id="273" r:id="rId13"/>
+    <p:sldId id="274" r:id="rId14"/>
+    <p:sldId id="263" r:id="rId15"/>
+    <p:sldId id="267" r:id="rId16"/>
   </p:sldIdLst>
   <p:sldSz cx="9144000" cy="5143500" type="screen16x9"/>
   <p:notesSz cx="6858000" cy="9144000"/>
   <p:embeddedFontLst>
     <p:embeddedFont>
+      <p:font typeface="BN Madregot" pitchFamily="2" charset="-79"/>
+      <p:regular r:id="rId18"/>
+    </p:embeddedFont>
+    <p:embeddedFont>
       <p:font typeface="Old Standard TT" charset="0"/>
       <p:regular r:id="rId19"/>
       <p:bold r:id="rId20"/>
       <p:italic r:id="rId21"/>
-    </p:embeddedFont>
-    <p:embeddedFont>
-      <p:font typeface="BN Madregot" pitchFamily="2" charset="-79"/>
-      <p:regular r:id="rId22"/>
     </p:embeddedFont>
   </p:embeddedFontLst>
   <p:defaultTextStyle>
@@ -950,7 +949,7 @@
   <p:cSld>
     <p:spTree>
       <p:nvGrpSpPr>
-        <p:cNvPr id="1" name="Shape 98"/>
+        <p:cNvPr id="1" name="Shape 79"/>
         <p:cNvGrpSpPr/>
         <p:nvPr/>
       </p:nvGrpSpPr>
@@ -964,7 +963,7 @@
       </p:grpSpPr>
       <p:sp>
         <p:nvSpPr>
-          <p:cNvPr id="99" name="Shape 99"/>
+          <p:cNvPr id="80" name="Shape 80"/>
           <p:cNvSpPr>
             <a:spLocks noGrp="1" noRot="1" noChangeAspect="1"/>
           </p:cNvSpPr>
@@ -974,8 +973,8 @@
         </p:nvSpPr>
         <p:spPr>
           <a:xfrm>
-            <a:off x="381187" y="685800"/>
-            <a:ext cx="6096299" cy="3429000"/>
+            <a:off x="381000" y="685800"/>
+            <a:ext cx="6096000" cy="3429000"/>
           </a:xfrm>
           <a:custGeom>
             <a:avLst/>
@@ -1015,7 +1014,7 @@
       </p:sp>
       <p:sp>
         <p:nvSpPr>
-          <p:cNvPr id="100" name="Shape 100"/>
+          <p:cNvPr id="81" name="Shape 81"/>
           <p:cNvSpPr txBox="1">
             <a:spLocks noGrp="1"/>
           </p:cNvSpPr>
@@ -1061,7 +1060,7 @@
   <p:cSld>
     <p:spTree>
       <p:nvGrpSpPr>
-        <p:cNvPr id="1" name="Shape 105"/>
+        <p:cNvPr id="1" name="Shape 98"/>
         <p:cNvGrpSpPr/>
         <p:nvPr/>
       </p:nvGrpSpPr>
@@ -1075,7 +1074,7 @@
       </p:grpSpPr>
       <p:sp>
         <p:nvSpPr>
-          <p:cNvPr id="106" name="Shape 106"/>
+          <p:cNvPr id="99" name="Shape 99"/>
           <p:cNvSpPr>
             <a:spLocks noGrp="1" noRot="1" noChangeAspect="1"/>
           </p:cNvSpPr>
@@ -1085,8 +1084,8 @@
         </p:nvSpPr>
         <p:spPr>
           <a:xfrm>
-            <a:off x="381187" y="685800"/>
-            <a:ext cx="6096299" cy="3429000"/>
+            <a:off x="381000" y="685800"/>
+            <a:ext cx="6096000" cy="3429000"/>
           </a:xfrm>
           <a:custGeom>
             <a:avLst/>
@@ -1126,7 +1125,7 @@
       </p:sp>
       <p:sp>
         <p:nvSpPr>
-          <p:cNvPr id="107" name="Shape 107"/>
+          <p:cNvPr id="100" name="Shape 100"/>
           <p:cNvSpPr txBox="1">
             <a:spLocks noGrp="1"/>
           </p:cNvSpPr>
@@ -1168,117 +1167,6 @@
 </file>
 
 <file path=ppt/notesSlides/notesSlide15.xml><?xml version="1.0" encoding="utf-8"?>
-<p:notes xmlns:a="http://schemas.openxmlformats.org/drawingml/2006/main" xmlns:r="http://schemas.openxmlformats.org/officeDocument/2006/relationships" xmlns:p="http://schemas.openxmlformats.org/presentationml/2006/main" showMasterSp="0" showMasterPhAnim="0">
-  <p:cSld>
-    <p:spTree>
-      <p:nvGrpSpPr>
-        <p:cNvPr id="1" name="Shape 119"/>
-        <p:cNvGrpSpPr/>
-        <p:nvPr/>
-      </p:nvGrpSpPr>
-      <p:grpSpPr>
-        <a:xfrm>
-          <a:off x="0" y="0"/>
-          <a:ext cx="0" cy="0"/>
-          <a:chOff x="0" y="0"/>
-          <a:chExt cx="0" cy="0"/>
-        </a:xfrm>
-      </p:grpSpPr>
-      <p:sp>
-        <p:nvSpPr>
-          <p:cNvPr id="120" name="Shape 120"/>
-          <p:cNvSpPr>
-            <a:spLocks noGrp="1" noRot="1" noChangeAspect="1"/>
-          </p:cNvSpPr>
-          <p:nvPr>
-            <p:ph type="sldImg" idx="2"/>
-          </p:nvPr>
-        </p:nvSpPr>
-        <p:spPr>
-          <a:xfrm>
-            <a:off x="381187" y="685800"/>
-            <a:ext cx="6096299" cy="3429000"/>
-          </a:xfrm>
-          <a:custGeom>
-            <a:avLst/>
-            <a:gdLst/>
-            <a:ahLst/>
-            <a:cxnLst/>
-            <a:rect l="0" t="0" r="0" b="0"/>
-            <a:pathLst>
-              <a:path w="120000" h="120000" extrusionOk="0">
-                <a:moveTo>
-                  <a:pt x="0" y="0"/>
-                </a:moveTo>
-                <a:lnTo>
-                  <a:pt x="120000" y="0"/>
-                </a:lnTo>
-                <a:lnTo>
-                  <a:pt x="120000" y="120000"/>
-                </a:lnTo>
-                <a:lnTo>
-                  <a:pt x="0" y="120000"/>
-                </a:lnTo>
-                <a:close/>
-              </a:path>
-            </a:pathLst>
-          </a:custGeom>
-          <a:noFill/>
-          <a:ln w="9525" cap="flat" cmpd="sng">
-            <a:solidFill>
-              <a:srgbClr val="000000"/>
-            </a:solidFill>
-            <a:prstDash val="solid"/>
-            <a:round/>
-            <a:headEnd type="none" w="med" len="med"/>
-            <a:tailEnd type="none" w="med" len="med"/>
-          </a:ln>
-        </p:spPr>
-      </p:sp>
-      <p:sp>
-        <p:nvSpPr>
-          <p:cNvPr id="121" name="Shape 121"/>
-          <p:cNvSpPr txBox="1">
-            <a:spLocks noGrp="1"/>
-          </p:cNvSpPr>
-          <p:nvPr>
-            <p:ph type="body" idx="1"/>
-          </p:nvPr>
-        </p:nvSpPr>
-        <p:spPr>
-          <a:xfrm>
-            <a:off x="685800" y="4343400"/>
-            <a:ext cx="5486399" cy="4114800"/>
-          </a:xfrm>
-          <a:prstGeom prst="rect">
-            <a:avLst/>
-          </a:prstGeom>
-        </p:spPr>
-        <p:txBody>
-          <a:bodyPr lIns="91425" tIns="91425" rIns="91425" bIns="91425" anchor="t" anchorCtr="0">
-            <a:noAutofit/>
-          </a:bodyPr>
-          <a:lstStyle/>
-          <a:p>
-            <a:pPr>
-              <a:spcBef>
-                <a:spcPts val="0"/>
-              </a:spcBef>
-              <a:buNone/>
-            </a:pPr>
-            <a:endParaRPr/>
-          </a:p>
-        </p:txBody>
-      </p:sp>
-    </p:spTree>
-  </p:cSld>
-  <p:clrMapOvr>
-    <a:masterClrMapping/>
-  </p:clrMapOvr>
-</p:notes>
-</file>
-
-<file path=ppt/notesSlides/notesSlide16.xml><?xml version="1.0" encoding="utf-8"?>
 <p:notes xmlns:a="http://schemas.openxmlformats.org/drawingml/2006/main" xmlns:r="http://schemas.openxmlformats.org/officeDocument/2006/relationships" xmlns:p="http://schemas.openxmlformats.org/presentationml/2006/main" showMasterSp="0" showMasterPhAnim="0">
   <p:cSld>
     <p:spTree>
@@ -1418,8 +1306,8 @@
         </p:nvSpPr>
         <p:spPr>
           <a:xfrm>
-            <a:off x="381187" y="685800"/>
-            <a:ext cx="6096299" cy="3429000"/>
+            <a:off x="381000" y="685800"/>
+            <a:ext cx="6096000" cy="3429000"/>
           </a:xfrm>
           <a:custGeom>
             <a:avLst/>
@@ -1616,7 +1504,7 @@
   <p:cSld>
     <p:spTree>
       <p:nvGrpSpPr>
-        <p:cNvPr id="1" name="Shape 74"/>
+        <p:cNvPr id="1" name="Shape 69"/>
         <p:cNvGrpSpPr/>
         <p:nvPr/>
       </p:nvGrpSpPr>
@@ -1630,7 +1518,7 @@
       </p:grpSpPr>
       <p:sp>
         <p:nvSpPr>
-          <p:cNvPr id="75" name="Shape 75"/>
+          <p:cNvPr id="70" name="Shape 70"/>
           <p:cNvSpPr>
             <a:spLocks noGrp="1" noRot="1" noChangeAspect="1"/>
           </p:cNvSpPr>
@@ -1640,8 +1528,8 @@
         </p:nvSpPr>
         <p:spPr>
           <a:xfrm>
-            <a:off x="381187" y="685800"/>
-            <a:ext cx="6096299" cy="3429000"/>
+            <a:off x="381000" y="685800"/>
+            <a:ext cx="6096000" cy="3429000"/>
           </a:xfrm>
           <a:custGeom>
             <a:avLst/>
@@ -1681,7 +1569,7 @@
       </p:sp>
       <p:sp>
         <p:nvSpPr>
-          <p:cNvPr id="76" name="Shape 76"/>
+          <p:cNvPr id="71" name="Shape 71"/>
           <p:cNvSpPr txBox="1">
             <a:spLocks noGrp="1"/>
           </p:cNvSpPr>
@@ -1727,7 +1615,7 @@
   <p:cSld>
     <p:spTree>
       <p:nvGrpSpPr>
-        <p:cNvPr id="1" name="Shape 84"/>
+        <p:cNvPr id="1" name="Shape 74"/>
         <p:cNvGrpSpPr/>
         <p:nvPr/>
       </p:nvGrpSpPr>
@@ -1741,7 +1629,7 @@
       </p:grpSpPr>
       <p:sp>
         <p:nvSpPr>
-          <p:cNvPr id="85" name="Shape 85"/>
+          <p:cNvPr id="75" name="Shape 75"/>
           <p:cNvSpPr>
             <a:spLocks noGrp="1" noRot="1" noChangeAspect="1"/>
           </p:cNvSpPr>
@@ -1751,8 +1639,8 @@
         </p:nvSpPr>
         <p:spPr>
           <a:xfrm>
-            <a:off x="381000" y="685800"/>
-            <a:ext cx="6096000" cy="3429000"/>
+            <a:off x="381187" y="685800"/>
+            <a:ext cx="6096299" cy="3429000"/>
           </a:xfrm>
           <a:custGeom>
             <a:avLst/>
@@ -1792,7 +1680,7 @@
       </p:sp>
       <p:sp>
         <p:nvSpPr>
-          <p:cNvPr id="86" name="Shape 86"/>
+          <p:cNvPr id="76" name="Shape 76"/>
           <p:cNvSpPr txBox="1">
             <a:spLocks noGrp="1"/>
           </p:cNvSpPr>
@@ -1815,7 +1703,7 @@
           </a:bodyPr>
           <a:lstStyle/>
           <a:p>
-            <a:pPr lvl="0" rtl="0">
+            <a:pPr>
               <a:spcBef>
                 <a:spcPts val="0"/>
               </a:spcBef>
@@ -1838,7 +1726,7 @@
   <p:cSld>
     <p:spTree>
       <p:nvGrpSpPr>
-        <p:cNvPr id="1" name="Shape 79"/>
+        <p:cNvPr id="1" name="Shape 84"/>
         <p:cNvGrpSpPr/>
         <p:nvPr/>
       </p:nvGrpSpPr>
@@ -1852,7 +1740,7 @@
       </p:grpSpPr>
       <p:sp>
         <p:nvSpPr>
-          <p:cNvPr id="80" name="Shape 80"/>
+          <p:cNvPr id="85" name="Shape 85"/>
           <p:cNvSpPr>
             <a:spLocks noGrp="1" noRot="1" noChangeAspect="1"/>
           </p:cNvSpPr>
@@ -1903,7 +1791,7 @@
       </p:sp>
       <p:sp>
         <p:nvSpPr>
-          <p:cNvPr id="81" name="Shape 81"/>
+          <p:cNvPr id="86" name="Shape 86"/>
           <p:cNvSpPr txBox="1">
             <a:spLocks noGrp="1"/>
           </p:cNvSpPr>
@@ -1926,7 +1814,7 @@
           </a:bodyPr>
           <a:lstStyle/>
           <a:p>
-            <a:pPr>
+            <a:pPr lvl="0" rtl="0">
               <a:spcBef>
                 <a:spcPts val="0"/>
               </a:spcBef>
@@ -2786,319 +2674,6 @@
                 <a:schemeClr val="accent1"/>
               </a:solidFill>
             </a:endParaRPr>
-          </a:p>
-        </p:txBody>
-      </p:sp>
-    </p:spTree>
-  </p:cSld>
-  <p:clrMapOvr>
-    <a:masterClrMapping/>
-  </p:clrMapOvr>
-</p:sldLayout>
-</file>
-
-<file path=ppt/slideLayouts/slideLayout10.xml><?xml version="1.0" encoding="utf-8"?>
-<p:sldLayout xmlns:a="http://schemas.openxmlformats.org/drawingml/2006/main" xmlns:r="http://schemas.openxmlformats.org/officeDocument/2006/relationships" xmlns:p="http://schemas.openxmlformats.org/presentationml/2006/main">
-  <p:cSld name="Big number">
-    <p:spTree>
-      <p:nvGrpSpPr>
-        <p:cNvPr id="1" name="Shape 48"/>
-        <p:cNvGrpSpPr/>
-        <p:nvPr/>
-      </p:nvGrpSpPr>
-      <p:grpSpPr>
-        <a:xfrm>
-          <a:off x="0" y="0"/>
-          <a:ext cx="0" cy="0"/>
-          <a:chOff x="0" y="0"/>
-          <a:chExt cx="0" cy="0"/>
-        </a:xfrm>
-      </p:grpSpPr>
-      <p:sp>
-        <p:nvSpPr>
-          <p:cNvPr id="49" name="Shape 49"/>
-          <p:cNvSpPr txBox="1">
-            <a:spLocks noGrp="1"/>
-          </p:cNvSpPr>
-          <p:nvPr>
-            <p:ph type="title"/>
-          </p:nvPr>
-        </p:nvSpPr>
-        <p:spPr>
-          <a:xfrm>
-            <a:off x="311700" y="1039650"/>
-            <a:ext cx="8520599" cy="2106299"/>
-          </a:xfrm>
-          <a:prstGeom prst="rect">
-            <a:avLst/>
-          </a:prstGeom>
-        </p:spPr>
-        <p:txBody>
-          <a:bodyPr lIns="91425" tIns="91425" rIns="91425" bIns="91425" anchor="b" anchorCtr="0"/>
-          <a:lstStyle>
-            <a:lvl1pPr algn="ctr">
-              <a:spcBef>
-                <a:spcPts val="0"/>
-              </a:spcBef>
-              <a:buSzPct val="100000"/>
-              <a:defRPr sz="14000" b="1"/>
-            </a:lvl1pPr>
-            <a:lvl2pPr algn="ctr">
-              <a:spcBef>
-                <a:spcPts val="0"/>
-              </a:spcBef>
-              <a:buSzPct val="100000"/>
-              <a:defRPr sz="14000" b="1"/>
-            </a:lvl2pPr>
-            <a:lvl3pPr algn="ctr">
-              <a:spcBef>
-                <a:spcPts val="0"/>
-              </a:spcBef>
-              <a:buSzPct val="100000"/>
-              <a:defRPr sz="14000" b="1"/>
-            </a:lvl3pPr>
-            <a:lvl4pPr algn="ctr">
-              <a:spcBef>
-                <a:spcPts val="0"/>
-              </a:spcBef>
-              <a:buSzPct val="100000"/>
-              <a:defRPr sz="14000" b="1"/>
-            </a:lvl4pPr>
-            <a:lvl5pPr algn="ctr">
-              <a:spcBef>
-                <a:spcPts val="0"/>
-              </a:spcBef>
-              <a:buSzPct val="100000"/>
-              <a:defRPr sz="14000" b="1"/>
-            </a:lvl5pPr>
-            <a:lvl6pPr algn="ctr">
-              <a:spcBef>
-                <a:spcPts val="0"/>
-              </a:spcBef>
-              <a:buSzPct val="100000"/>
-              <a:defRPr sz="14000" b="1"/>
-            </a:lvl6pPr>
-            <a:lvl7pPr algn="ctr">
-              <a:spcBef>
-                <a:spcPts val="0"/>
-              </a:spcBef>
-              <a:buSzPct val="100000"/>
-              <a:defRPr sz="14000" b="1"/>
-            </a:lvl7pPr>
-            <a:lvl8pPr algn="ctr">
-              <a:spcBef>
-                <a:spcPts val="0"/>
-              </a:spcBef>
-              <a:buSzPct val="100000"/>
-              <a:defRPr sz="14000" b="1"/>
-            </a:lvl8pPr>
-            <a:lvl9pPr algn="ctr">
-              <a:spcBef>
-                <a:spcPts val="0"/>
-              </a:spcBef>
-              <a:buSzPct val="100000"/>
-              <a:defRPr sz="14000" b="1"/>
-            </a:lvl9pPr>
-          </a:lstStyle>
-          <a:p>
-            <a:endParaRPr/>
-          </a:p>
-        </p:txBody>
-      </p:sp>
-      <p:sp>
-        <p:nvSpPr>
-          <p:cNvPr id="50" name="Shape 50"/>
-          <p:cNvSpPr txBox="1">
-            <a:spLocks noGrp="1"/>
-          </p:cNvSpPr>
-          <p:nvPr>
-            <p:ph type="body" idx="1"/>
-          </p:nvPr>
-        </p:nvSpPr>
-        <p:spPr>
-          <a:xfrm>
-            <a:off x="311700" y="3228425"/>
-            <a:ext cx="8520599" cy="1300800"/>
-          </a:xfrm>
-          <a:prstGeom prst="rect">
-            <a:avLst/>
-          </a:prstGeom>
-        </p:spPr>
-        <p:txBody>
-          <a:bodyPr lIns="91425" tIns="91425" rIns="91425" bIns="91425" anchor="t" anchorCtr="0"/>
-          <a:lstStyle>
-            <a:lvl1pPr algn="ctr">
-              <a:spcBef>
-                <a:spcPts val="0"/>
-              </a:spcBef>
-              <a:defRPr/>
-            </a:lvl1pPr>
-            <a:lvl2pPr algn="ctr">
-              <a:spcBef>
-                <a:spcPts val="0"/>
-              </a:spcBef>
-              <a:defRPr/>
-            </a:lvl2pPr>
-            <a:lvl3pPr algn="ctr">
-              <a:spcBef>
-                <a:spcPts val="0"/>
-              </a:spcBef>
-              <a:defRPr/>
-            </a:lvl3pPr>
-            <a:lvl4pPr algn="ctr">
-              <a:spcBef>
-                <a:spcPts val="0"/>
-              </a:spcBef>
-              <a:defRPr/>
-            </a:lvl4pPr>
-            <a:lvl5pPr algn="ctr">
-              <a:spcBef>
-                <a:spcPts val="0"/>
-              </a:spcBef>
-              <a:defRPr/>
-            </a:lvl5pPr>
-            <a:lvl6pPr algn="ctr">
-              <a:spcBef>
-                <a:spcPts val="0"/>
-              </a:spcBef>
-              <a:defRPr/>
-            </a:lvl6pPr>
-            <a:lvl7pPr algn="ctr">
-              <a:spcBef>
-                <a:spcPts val="0"/>
-              </a:spcBef>
-              <a:defRPr/>
-            </a:lvl7pPr>
-            <a:lvl8pPr algn="ctr">
-              <a:spcBef>
-                <a:spcPts val="0"/>
-              </a:spcBef>
-              <a:defRPr/>
-            </a:lvl8pPr>
-            <a:lvl9pPr algn="ctr">
-              <a:spcBef>
-                <a:spcPts val="0"/>
-              </a:spcBef>
-              <a:defRPr/>
-            </a:lvl9pPr>
-          </a:lstStyle>
-          <a:p>
-            <a:endParaRPr/>
-          </a:p>
-        </p:txBody>
-      </p:sp>
-      <p:sp>
-        <p:nvSpPr>
-          <p:cNvPr id="51" name="Shape 51"/>
-          <p:cNvSpPr txBox="1">
-            <a:spLocks noGrp="1"/>
-          </p:cNvSpPr>
-          <p:nvPr>
-            <p:ph type="sldNum" idx="12"/>
-          </p:nvPr>
-        </p:nvSpPr>
-        <p:spPr>
-          <a:xfrm>
-            <a:off x="8472457" y="4663216"/>
-            <a:ext cx="548699" cy="393600"/>
-          </a:xfrm>
-          <a:prstGeom prst="rect">
-            <a:avLst/>
-          </a:prstGeom>
-        </p:spPr>
-        <p:txBody>
-          <a:bodyPr lIns="91425" tIns="91425" rIns="91425" bIns="91425" anchor="ctr" anchorCtr="0">
-            <a:noAutofit/>
-          </a:bodyPr>
-          <a:lstStyle/>
-          <a:p>
-            <a:pPr>
-              <a:spcBef>
-                <a:spcPts val="0"/>
-              </a:spcBef>
-              <a:buNone/>
-            </a:pPr>
-            <a:fld id="{00000000-1234-1234-1234-123412341234}" type="slidenum">
-              <a:rPr lang="en"/>
-              <a:pPr>
-                <a:spcBef>
-                  <a:spcPts val="0"/>
-                </a:spcBef>
-                <a:buNone/>
-              </a:pPr>
-              <a:t>‹#›</a:t>
-            </a:fld>
-            <a:endParaRPr lang="en"/>
-          </a:p>
-        </p:txBody>
-      </p:sp>
-    </p:spTree>
-  </p:cSld>
-  <p:clrMapOvr>
-    <a:masterClrMapping/>
-  </p:clrMapOvr>
-</p:sldLayout>
-</file>
-
-<file path=ppt/slideLayouts/slideLayout11.xml><?xml version="1.0" encoding="utf-8"?>
-<p:sldLayout xmlns:a="http://schemas.openxmlformats.org/drawingml/2006/main" xmlns:r="http://schemas.openxmlformats.org/officeDocument/2006/relationships" xmlns:p="http://schemas.openxmlformats.org/presentationml/2006/main" type="blank">
-  <p:cSld name="Blank">
-    <p:spTree>
-      <p:nvGrpSpPr>
-        <p:cNvPr id="1" name="Shape 52"/>
-        <p:cNvGrpSpPr/>
-        <p:nvPr/>
-      </p:nvGrpSpPr>
-      <p:grpSpPr>
-        <a:xfrm>
-          <a:off x="0" y="0"/>
-          <a:ext cx="0" cy="0"/>
-          <a:chOff x="0" y="0"/>
-          <a:chExt cx="0" cy="0"/>
-        </a:xfrm>
-      </p:grpSpPr>
-      <p:sp>
-        <p:nvSpPr>
-          <p:cNvPr id="53" name="Shape 53"/>
-          <p:cNvSpPr txBox="1">
-            <a:spLocks noGrp="1"/>
-          </p:cNvSpPr>
-          <p:nvPr>
-            <p:ph type="sldNum" idx="12"/>
-          </p:nvPr>
-        </p:nvSpPr>
-        <p:spPr>
-          <a:xfrm>
-            <a:off x="8472457" y="4663216"/>
-            <a:ext cx="548699" cy="393600"/>
-          </a:xfrm>
-          <a:prstGeom prst="rect">
-            <a:avLst/>
-          </a:prstGeom>
-        </p:spPr>
-        <p:txBody>
-          <a:bodyPr lIns="91425" tIns="91425" rIns="91425" bIns="91425" anchor="ctr" anchorCtr="0">
-            <a:noAutofit/>
-          </a:bodyPr>
-          <a:lstStyle/>
-          <a:p>
-            <a:pPr>
-              <a:spcBef>
-                <a:spcPts val="0"/>
-              </a:spcBef>
-              <a:buNone/>
-            </a:pPr>
-            <a:fld id="{00000000-1234-1234-1234-123412341234}" type="slidenum">
-              <a:rPr lang="en"/>
-              <a:pPr>
-                <a:spcBef>
-                  <a:spcPts val="0"/>
-                </a:spcBef>
-                <a:buNone/>
-              </a:pPr>
-              <a:t>‹#›</a:t>
-            </a:fld>
-            <a:endParaRPr lang="en"/>
           </a:p>
         </p:txBody>
       </p:sp>
@@ -3648,340 +3223,6 @@
 </file>
 
 <file path=ppt/slideLayouts/slideLayout4.xml><?xml version="1.0" encoding="utf-8"?>
-<p:sldLayout xmlns:a="http://schemas.openxmlformats.org/drawingml/2006/main" xmlns:r="http://schemas.openxmlformats.org/officeDocument/2006/relationships" xmlns:p="http://schemas.openxmlformats.org/presentationml/2006/main" type="twoColTx">
-  <p:cSld name="Title and two columns">
-    <p:spTree>
-      <p:nvGrpSpPr>
-        <p:cNvPr id="1" name="Shape 23"/>
-        <p:cNvGrpSpPr/>
-        <p:nvPr/>
-      </p:nvGrpSpPr>
-      <p:grpSpPr>
-        <a:xfrm>
-          <a:off x="0" y="0"/>
-          <a:ext cx="0" cy="0"/>
-          <a:chOff x="0" y="0"/>
-          <a:chExt cx="0" cy="0"/>
-        </a:xfrm>
-      </p:grpSpPr>
-      <p:sp>
-        <p:nvSpPr>
-          <p:cNvPr id="24" name="Shape 24"/>
-          <p:cNvSpPr txBox="1">
-            <a:spLocks noGrp="1"/>
-          </p:cNvSpPr>
-          <p:nvPr>
-            <p:ph type="title"/>
-          </p:nvPr>
-        </p:nvSpPr>
-        <p:spPr>
-          <a:xfrm>
-            <a:off x="311700" y="445025"/>
-            <a:ext cx="8520599" cy="613200"/>
-          </a:xfrm>
-          <a:prstGeom prst="rect">
-            <a:avLst/>
-          </a:prstGeom>
-        </p:spPr>
-        <p:txBody>
-          <a:bodyPr lIns="91425" tIns="91425" rIns="91425" bIns="91425" anchor="t" anchorCtr="0"/>
-          <a:lstStyle>
-            <a:lvl1pPr>
-              <a:spcBef>
-                <a:spcPts val="0"/>
-              </a:spcBef>
-              <a:defRPr/>
-            </a:lvl1pPr>
-            <a:lvl2pPr>
-              <a:spcBef>
-                <a:spcPts val="0"/>
-              </a:spcBef>
-              <a:defRPr/>
-            </a:lvl2pPr>
-            <a:lvl3pPr>
-              <a:spcBef>
-                <a:spcPts val="0"/>
-              </a:spcBef>
-              <a:defRPr/>
-            </a:lvl3pPr>
-            <a:lvl4pPr>
-              <a:spcBef>
-                <a:spcPts val="0"/>
-              </a:spcBef>
-              <a:defRPr/>
-            </a:lvl4pPr>
-            <a:lvl5pPr>
-              <a:spcBef>
-                <a:spcPts val="0"/>
-              </a:spcBef>
-              <a:defRPr/>
-            </a:lvl5pPr>
-            <a:lvl6pPr>
-              <a:spcBef>
-                <a:spcPts val="0"/>
-              </a:spcBef>
-              <a:defRPr/>
-            </a:lvl6pPr>
-            <a:lvl7pPr>
-              <a:spcBef>
-                <a:spcPts val="0"/>
-              </a:spcBef>
-              <a:defRPr/>
-            </a:lvl7pPr>
-            <a:lvl8pPr>
-              <a:spcBef>
-                <a:spcPts val="0"/>
-              </a:spcBef>
-              <a:defRPr/>
-            </a:lvl8pPr>
-            <a:lvl9pPr>
-              <a:spcBef>
-                <a:spcPts val="0"/>
-              </a:spcBef>
-              <a:defRPr/>
-            </a:lvl9pPr>
-          </a:lstStyle>
-          <a:p>
-            <a:endParaRPr/>
-          </a:p>
-        </p:txBody>
-      </p:sp>
-      <p:sp>
-        <p:nvSpPr>
-          <p:cNvPr id="25" name="Shape 25"/>
-          <p:cNvSpPr txBox="1">
-            <a:spLocks noGrp="1"/>
-          </p:cNvSpPr>
-          <p:nvPr>
-            <p:ph type="body" idx="1"/>
-          </p:nvPr>
-        </p:nvSpPr>
-        <p:spPr>
-          <a:xfrm>
-            <a:off x="311700" y="1171675"/>
-            <a:ext cx="3999899" cy="3397200"/>
-          </a:xfrm>
-          <a:prstGeom prst="rect">
-            <a:avLst/>
-          </a:prstGeom>
-        </p:spPr>
-        <p:txBody>
-          <a:bodyPr lIns="91425" tIns="91425" rIns="91425" bIns="91425" anchor="t" anchorCtr="0"/>
-          <a:lstStyle>
-            <a:lvl1pPr>
-              <a:spcBef>
-                <a:spcPts val="0"/>
-              </a:spcBef>
-              <a:buSzPct val="100000"/>
-              <a:defRPr sz="1400"/>
-            </a:lvl1pPr>
-            <a:lvl2pPr>
-              <a:spcBef>
-                <a:spcPts val="0"/>
-              </a:spcBef>
-              <a:buSzPct val="100000"/>
-              <a:defRPr sz="1200"/>
-            </a:lvl2pPr>
-            <a:lvl3pPr>
-              <a:spcBef>
-                <a:spcPts val="0"/>
-              </a:spcBef>
-              <a:buSzPct val="100000"/>
-              <a:defRPr sz="1200"/>
-            </a:lvl3pPr>
-            <a:lvl4pPr>
-              <a:spcBef>
-                <a:spcPts val="0"/>
-              </a:spcBef>
-              <a:buSzPct val="100000"/>
-              <a:defRPr sz="1200"/>
-            </a:lvl4pPr>
-            <a:lvl5pPr>
-              <a:spcBef>
-                <a:spcPts val="0"/>
-              </a:spcBef>
-              <a:buSzPct val="100000"/>
-              <a:defRPr sz="1200"/>
-            </a:lvl5pPr>
-            <a:lvl6pPr>
-              <a:spcBef>
-                <a:spcPts val="0"/>
-              </a:spcBef>
-              <a:buSzPct val="100000"/>
-              <a:defRPr sz="1200"/>
-            </a:lvl6pPr>
-            <a:lvl7pPr>
-              <a:spcBef>
-                <a:spcPts val="0"/>
-              </a:spcBef>
-              <a:buSzPct val="100000"/>
-              <a:defRPr sz="1200"/>
-            </a:lvl7pPr>
-            <a:lvl8pPr>
-              <a:spcBef>
-                <a:spcPts val="0"/>
-              </a:spcBef>
-              <a:buSzPct val="100000"/>
-              <a:defRPr sz="1200"/>
-            </a:lvl8pPr>
-            <a:lvl9pPr>
-              <a:spcBef>
-                <a:spcPts val="0"/>
-              </a:spcBef>
-              <a:buSzPct val="100000"/>
-              <a:defRPr sz="1200"/>
-            </a:lvl9pPr>
-          </a:lstStyle>
-          <a:p>
-            <a:endParaRPr/>
-          </a:p>
-        </p:txBody>
-      </p:sp>
-      <p:sp>
-        <p:nvSpPr>
-          <p:cNvPr id="26" name="Shape 26"/>
-          <p:cNvSpPr txBox="1">
-            <a:spLocks noGrp="1"/>
-          </p:cNvSpPr>
-          <p:nvPr>
-            <p:ph type="body" idx="2"/>
-          </p:nvPr>
-        </p:nvSpPr>
-        <p:spPr>
-          <a:xfrm>
-            <a:off x="4832400" y="1171675"/>
-            <a:ext cx="3999899" cy="3397200"/>
-          </a:xfrm>
-          <a:prstGeom prst="rect">
-            <a:avLst/>
-          </a:prstGeom>
-        </p:spPr>
-        <p:txBody>
-          <a:bodyPr lIns="91425" tIns="91425" rIns="91425" bIns="91425" anchor="t" anchorCtr="0"/>
-          <a:lstStyle>
-            <a:lvl1pPr>
-              <a:spcBef>
-                <a:spcPts val="0"/>
-              </a:spcBef>
-              <a:buSzPct val="100000"/>
-              <a:defRPr sz="1400"/>
-            </a:lvl1pPr>
-            <a:lvl2pPr>
-              <a:spcBef>
-                <a:spcPts val="0"/>
-              </a:spcBef>
-              <a:buSzPct val="100000"/>
-              <a:defRPr sz="1200"/>
-            </a:lvl2pPr>
-            <a:lvl3pPr>
-              <a:spcBef>
-                <a:spcPts val="0"/>
-              </a:spcBef>
-              <a:buSzPct val="100000"/>
-              <a:defRPr sz="1200"/>
-            </a:lvl3pPr>
-            <a:lvl4pPr>
-              <a:spcBef>
-                <a:spcPts val="0"/>
-              </a:spcBef>
-              <a:buSzPct val="100000"/>
-              <a:defRPr sz="1200"/>
-            </a:lvl4pPr>
-            <a:lvl5pPr>
-              <a:spcBef>
-                <a:spcPts val="0"/>
-              </a:spcBef>
-              <a:buSzPct val="100000"/>
-              <a:defRPr sz="1200"/>
-            </a:lvl5pPr>
-            <a:lvl6pPr>
-              <a:spcBef>
-                <a:spcPts val="0"/>
-              </a:spcBef>
-              <a:buSzPct val="100000"/>
-              <a:defRPr sz="1200"/>
-            </a:lvl6pPr>
-            <a:lvl7pPr>
-              <a:spcBef>
-                <a:spcPts val="0"/>
-              </a:spcBef>
-              <a:buSzPct val="100000"/>
-              <a:defRPr sz="1200"/>
-            </a:lvl7pPr>
-            <a:lvl8pPr>
-              <a:spcBef>
-                <a:spcPts val="0"/>
-              </a:spcBef>
-              <a:buSzPct val="100000"/>
-              <a:defRPr sz="1200"/>
-            </a:lvl8pPr>
-            <a:lvl9pPr>
-              <a:spcBef>
-                <a:spcPts val="0"/>
-              </a:spcBef>
-              <a:buSzPct val="100000"/>
-              <a:defRPr sz="1200"/>
-            </a:lvl9pPr>
-          </a:lstStyle>
-          <a:p>
-            <a:endParaRPr/>
-          </a:p>
-        </p:txBody>
-      </p:sp>
-      <p:sp>
-        <p:nvSpPr>
-          <p:cNvPr id="27" name="Shape 27"/>
-          <p:cNvSpPr txBox="1">
-            <a:spLocks noGrp="1"/>
-          </p:cNvSpPr>
-          <p:nvPr>
-            <p:ph type="sldNum" idx="12"/>
-          </p:nvPr>
-        </p:nvSpPr>
-        <p:spPr>
-          <a:xfrm>
-            <a:off x="8472457" y="4663216"/>
-            <a:ext cx="548699" cy="393600"/>
-          </a:xfrm>
-          <a:prstGeom prst="rect">
-            <a:avLst/>
-          </a:prstGeom>
-        </p:spPr>
-        <p:txBody>
-          <a:bodyPr lIns="91425" tIns="91425" rIns="91425" bIns="91425" anchor="ctr" anchorCtr="0">
-            <a:noAutofit/>
-          </a:bodyPr>
-          <a:lstStyle/>
-          <a:p>
-            <a:pPr>
-              <a:spcBef>
-                <a:spcPts val="0"/>
-              </a:spcBef>
-              <a:buNone/>
-            </a:pPr>
-            <a:fld id="{00000000-1234-1234-1234-123412341234}" type="slidenum">
-              <a:rPr lang="en"/>
-              <a:pPr>
-                <a:spcBef>
-                  <a:spcPts val="0"/>
-                </a:spcBef>
-                <a:buNone/>
-              </a:pPr>
-              <a:t>‹#›</a:t>
-            </a:fld>
-            <a:endParaRPr lang="en"/>
-          </a:p>
-        </p:txBody>
-      </p:sp>
-    </p:spTree>
-  </p:cSld>
-  <p:clrMapOvr>
-    <a:masterClrMapping/>
-  </p:clrMapOvr>
-</p:sldLayout>
-</file>
-
-<file path=ppt/slideLayouts/slideLayout5.xml><?xml version="1.0" encoding="utf-8"?>
 <p:sldLayout xmlns:a="http://schemas.openxmlformats.org/drawingml/2006/main" xmlns:r="http://schemas.openxmlformats.org/officeDocument/2006/relationships" xmlns:p="http://schemas.openxmlformats.org/presentationml/2006/main" type="titleOnly">
   <p:cSld name="Title only">
     <p:spTree>
@@ -4133,7 +3374,7 @@
 </p:sldLayout>
 </file>
 
-<file path=ppt/slideLayouts/slideLayout6.xml><?xml version="1.0" encoding="utf-8"?>
+<file path=ppt/slideLayouts/slideLayout5.xml><?xml version="1.0" encoding="utf-8"?>
 <p:sldLayout xmlns:a="http://schemas.openxmlformats.org/drawingml/2006/main" xmlns:r="http://schemas.openxmlformats.org/officeDocument/2006/relationships" xmlns:p="http://schemas.openxmlformats.org/presentationml/2006/main">
   <p:cSld name="One column text">
     <p:spTree>
@@ -4385,7 +3626,7 @@
 </p:sldLayout>
 </file>
 
-<file path=ppt/slideLayouts/slideLayout7.xml><?xml version="1.0" encoding="utf-8"?>
+<file path=ppt/slideLayouts/slideLayout6.xml><?xml version="1.0" encoding="utf-8"?>
 <p:sldLayout xmlns:a="http://schemas.openxmlformats.org/drawingml/2006/main" xmlns:r="http://schemas.openxmlformats.org/officeDocument/2006/relationships" xmlns:p="http://schemas.openxmlformats.org/presentationml/2006/main">
   <p:cSld name="Main point">
     <p:bg>
@@ -4625,7 +3866,7 @@
 </p:sldLayout>
 </file>
 
-<file path=ppt/slideLayouts/slideLayout8.xml><?xml version="1.0" encoding="utf-8"?>
+<file path=ppt/slideLayouts/slideLayout7.xml><?xml version="1.0" encoding="utf-8"?>
 <p:sldLayout xmlns:a="http://schemas.openxmlformats.org/drawingml/2006/main" xmlns:r="http://schemas.openxmlformats.org/officeDocument/2006/relationships" xmlns:p="http://schemas.openxmlformats.org/presentationml/2006/main">
   <p:cSld name="Section title and description">
     <p:spTree>
@@ -5219,12 +4460,12 @@
 </p:sldLayout>
 </file>
 
-<file path=ppt/slideLayouts/slideLayout9.xml><?xml version="1.0" encoding="utf-8"?>
+<file path=ppt/slideLayouts/slideLayout8.xml><?xml version="1.0" encoding="utf-8"?>
 <p:sldLayout xmlns:a="http://schemas.openxmlformats.org/drawingml/2006/main" xmlns:r="http://schemas.openxmlformats.org/officeDocument/2006/relationships" xmlns:p="http://schemas.openxmlformats.org/presentationml/2006/main">
-  <p:cSld name="Caption">
+  <p:cSld name="Big number">
     <p:spTree>
       <p:nvGrpSpPr>
-        <p:cNvPr id="1" name="Shape 45"/>
+        <p:cNvPr id="1" name="Shape 48"/>
         <p:cNvGrpSpPr/>
         <p:nvPr/>
       </p:nvGrpSpPr>
@@ -5238,7 +4479,98 @@
       </p:grpSpPr>
       <p:sp>
         <p:nvSpPr>
-          <p:cNvPr id="46" name="Shape 46"/>
+          <p:cNvPr id="49" name="Shape 49"/>
+          <p:cNvSpPr txBox="1">
+            <a:spLocks noGrp="1"/>
+          </p:cNvSpPr>
+          <p:nvPr>
+            <p:ph type="title"/>
+          </p:nvPr>
+        </p:nvSpPr>
+        <p:spPr>
+          <a:xfrm>
+            <a:off x="311700" y="1039650"/>
+            <a:ext cx="8520599" cy="2106299"/>
+          </a:xfrm>
+          <a:prstGeom prst="rect">
+            <a:avLst/>
+          </a:prstGeom>
+        </p:spPr>
+        <p:txBody>
+          <a:bodyPr lIns="91425" tIns="91425" rIns="91425" bIns="91425" anchor="b" anchorCtr="0"/>
+          <a:lstStyle>
+            <a:lvl1pPr algn="ctr">
+              <a:spcBef>
+                <a:spcPts val="0"/>
+              </a:spcBef>
+              <a:buSzPct val="100000"/>
+              <a:defRPr sz="14000" b="1"/>
+            </a:lvl1pPr>
+            <a:lvl2pPr algn="ctr">
+              <a:spcBef>
+                <a:spcPts val="0"/>
+              </a:spcBef>
+              <a:buSzPct val="100000"/>
+              <a:defRPr sz="14000" b="1"/>
+            </a:lvl2pPr>
+            <a:lvl3pPr algn="ctr">
+              <a:spcBef>
+                <a:spcPts val="0"/>
+              </a:spcBef>
+              <a:buSzPct val="100000"/>
+              <a:defRPr sz="14000" b="1"/>
+            </a:lvl3pPr>
+            <a:lvl4pPr algn="ctr">
+              <a:spcBef>
+                <a:spcPts val="0"/>
+              </a:spcBef>
+              <a:buSzPct val="100000"/>
+              <a:defRPr sz="14000" b="1"/>
+            </a:lvl4pPr>
+            <a:lvl5pPr algn="ctr">
+              <a:spcBef>
+                <a:spcPts val="0"/>
+              </a:spcBef>
+              <a:buSzPct val="100000"/>
+              <a:defRPr sz="14000" b="1"/>
+            </a:lvl5pPr>
+            <a:lvl6pPr algn="ctr">
+              <a:spcBef>
+                <a:spcPts val="0"/>
+              </a:spcBef>
+              <a:buSzPct val="100000"/>
+              <a:defRPr sz="14000" b="1"/>
+            </a:lvl6pPr>
+            <a:lvl7pPr algn="ctr">
+              <a:spcBef>
+                <a:spcPts val="0"/>
+              </a:spcBef>
+              <a:buSzPct val="100000"/>
+              <a:defRPr sz="14000" b="1"/>
+            </a:lvl7pPr>
+            <a:lvl8pPr algn="ctr">
+              <a:spcBef>
+                <a:spcPts val="0"/>
+              </a:spcBef>
+              <a:buSzPct val="100000"/>
+              <a:defRPr sz="14000" b="1"/>
+            </a:lvl8pPr>
+            <a:lvl9pPr algn="ctr">
+              <a:spcBef>
+                <a:spcPts val="0"/>
+              </a:spcBef>
+              <a:buSzPct val="100000"/>
+              <a:defRPr sz="14000" b="1"/>
+            </a:lvl9pPr>
+          </a:lstStyle>
+          <a:p>
+            <a:endParaRPr/>
+          </a:p>
+        </p:txBody>
+      </p:sp>
+      <p:sp>
+        <p:nvSpPr>
+          <p:cNvPr id="50" name="Shape 50"/>
           <p:cNvSpPr txBox="1">
             <a:spLocks noGrp="1"/>
           </p:cNvSpPr>
@@ -5248,29 +4580,70 @@
         </p:nvSpPr>
         <p:spPr>
           <a:xfrm>
-            <a:off x="311700" y="4230575"/>
-            <a:ext cx="5998800" cy="605100"/>
+            <a:off x="311700" y="3228425"/>
+            <a:ext cx="8520599" cy="1300800"/>
           </a:xfrm>
           <a:prstGeom prst="rect">
             <a:avLst/>
           </a:prstGeom>
         </p:spPr>
         <p:txBody>
-          <a:bodyPr lIns="91425" tIns="91425" rIns="91425" bIns="91425" anchor="ctr" anchorCtr="0"/>
+          <a:bodyPr lIns="91425" tIns="91425" rIns="91425" bIns="91425" anchor="t" anchorCtr="0"/>
           <a:lstStyle>
-            <a:lvl1pPr>
-              <a:lnSpc>
-                <a:spcPct val="100000"/>
-              </a:lnSpc>
-              <a:spcBef>
-                <a:spcPts val="0"/>
-              </a:spcBef>
-              <a:spcAft>
-                <a:spcPts val="0"/>
-              </a:spcAft>
-              <a:buNone/>
+            <a:lvl1pPr algn="ctr">
+              <a:spcBef>
+                <a:spcPts val="0"/>
+              </a:spcBef>
               <a:defRPr/>
             </a:lvl1pPr>
+            <a:lvl2pPr algn="ctr">
+              <a:spcBef>
+                <a:spcPts val="0"/>
+              </a:spcBef>
+              <a:defRPr/>
+            </a:lvl2pPr>
+            <a:lvl3pPr algn="ctr">
+              <a:spcBef>
+                <a:spcPts val="0"/>
+              </a:spcBef>
+              <a:defRPr/>
+            </a:lvl3pPr>
+            <a:lvl4pPr algn="ctr">
+              <a:spcBef>
+                <a:spcPts val="0"/>
+              </a:spcBef>
+              <a:defRPr/>
+            </a:lvl4pPr>
+            <a:lvl5pPr algn="ctr">
+              <a:spcBef>
+                <a:spcPts val="0"/>
+              </a:spcBef>
+              <a:defRPr/>
+            </a:lvl5pPr>
+            <a:lvl6pPr algn="ctr">
+              <a:spcBef>
+                <a:spcPts val="0"/>
+              </a:spcBef>
+              <a:defRPr/>
+            </a:lvl6pPr>
+            <a:lvl7pPr algn="ctr">
+              <a:spcBef>
+                <a:spcPts val="0"/>
+              </a:spcBef>
+              <a:defRPr/>
+            </a:lvl7pPr>
+            <a:lvl8pPr algn="ctr">
+              <a:spcBef>
+                <a:spcPts val="0"/>
+              </a:spcBef>
+              <a:defRPr/>
+            </a:lvl8pPr>
+            <a:lvl9pPr algn="ctr">
+              <a:spcBef>
+                <a:spcPts val="0"/>
+              </a:spcBef>
+              <a:defRPr/>
+            </a:lvl9pPr>
           </a:lstStyle>
           <a:p>
             <a:endParaRPr/>
@@ -5279,7 +4652,77 @@
       </p:sp>
       <p:sp>
         <p:nvSpPr>
-          <p:cNvPr id="47" name="Shape 47"/>
+          <p:cNvPr id="51" name="Shape 51"/>
+          <p:cNvSpPr txBox="1">
+            <a:spLocks noGrp="1"/>
+          </p:cNvSpPr>
+          <p:nvPr>
+            <p:ph type="sldNum" idx="12"/>
+          </p:nvPr>
+        </p:nvSpPr>
+        <p:spPr>
+          <a:xfrm>
+            <a:off x="8472457" y="4663216"/>
+            <a:ext cx="548699" cy="393600"/>
+          </a:xfrm>
+          <a:prstGeom prst="rect">
+            <a:avLst/>
+          </a:prstGeom>
+        </p:spPr>
+        <p:txBody>
+          <a:bodyPr lIns="91425" tIns="91425" rIns="91425" bIns="91425" anchor="ctr" anchorCtr="0">
+            <a:noAutofit/>
+          </a:bodyPr>
+          <a:lstStyle/>
+          <a:p>
+            <a:pPr>
+              <a:spcBef>
+                <a:spcPts val="0"/>
+              </a:spcBef>
+              <a:buNone/>
+            </a:pPr>
+            <a:fld id="{00000000-1234-1234-1234-123412341234}" type="slidenum">
+              <a:rPr lang="en"/>
+              <a:pPr>
+                <a:spcBef>
+                  <a:spcPts val="0"/>
+                </a:spcBef>
+                <a:buNone/>
+              </a:pPr>
+              <a:t>‹#›</a:t>
+            </a:fld>
+            <a:endParaRPr lang="en"/>
+          </a:p>
+        </p:txBody>
+      </p:sp>
+    </p:spTree>
+  </p:cSld>
+  <p:clrMapOvr>
+    <a:masterClrMapping/>
+  </p:clrMapOvr>
+</p:sldLayout>
+</file>
+
+<file path=ppt/slideLayouts/slideLayout9.xml><?xml version="1.0" encoding="utf-8"?>
+<p:sldLayout xmlns:a="http://schemas.openxmlformats.org/drawingml/2006/main" xmlns:r="http://schemas.openxmlformats.org/officeDocument/2006/relationships" xmlns:p="http://schemas.openxmlformats.org/presentationml/2006/main" type="blank">
+  <p:cSld name="Blank">
+    <p:spTree>
+      <p:nvGrpSpPr>
+        <p:cNvPr id="1" name="Shape 52"/>
+        <p:cNvGrpSpPr/>
+        <p:nvPr/>
+      </p:nvGrpSpPr>
+      <p:grpSpPr>
+        <a:xfrm>
+          <a:off x="0" y="0"/>
+          <a:ext cx="0" cy="0"/>
+          <a:chOff x="0" y="0"/>
+          <a:chExt cx="0" cy="0"/>
+        </a:xfrm>
+      </p:grpSpPr>
+      <p:sp>
+        <p:nvSpPr>
+          <p:cNvPr id="53" name="Shape 53"/>
           <p:cNvSpPr txBox="1">
             <a:spLocks noGrp="1"/>
           </p:cNvSpPr>
@@ -5888,14 +5331,12 @@
     <p:sldLayoutId id="2147483648" r:id="rId1"/>
     <p:sldLayoutId id="2147483649" r:id="rId2"/>
     <p:sldLayoutId id="2147483650" r:id="rId3"/>
-    <p:sldLayoutId id="2147483651" r:id="rId4"/>
-    <p:sldLayoutId id="2147483652" r:id="rId5"/>
-    <p:sldLayoutId id="2147483653" r:id="rId6"/>
-    <p:sldLayoutId id="2147483654" r:id="rId7"/>
-    <p:sldLayoutId id="2147483655" r:id="rId8"/>
-    <p:sldLayoutId id="2147483656" r:id="rId9"/>
-    <p:sldLayoutId id="2147483657" r:id="rId10"/>
-    <p:sldLayoutId id="2147483658" r:id="rId11"/>
+    <p:sldLayoutId id="2147483652" r:id="rId4"/>
+    <p:sldLayoutId id="2147483653" r:id="rId5"/>
+    <p:sldLayoutId id="2147483654" r:id="rId6"/>
+    <p:sldLayoutId id="2147483655" r:id="rId7"/>
+    <p:sldLayoutId id="2147483657" r:id="rId8"/>
+    <p:sldLayoutId id="2147483658" r:id="rId9"/>
   </p:sldLayoutIdLst>
   <p:hf sldNum="0" hdr="0" ftr="0" dt="0"/>
   <p:txStyles>
@@ -6390,7 +5831,10 @@
               <a:buNone/>
             </a:pPr>
             <a:r>
-              <a:rPr lang="en" sz="6000" dirty="0"/>
+              <a:rPr lang="en" sz="6000" dirty="0">
+                <a:latin typeface="BN Madregot" pitchFamily="2" charset="-79"/>
+                <a:cs typeface="BN Madregot" pitchFamily="2" charset="-79"/>
+              </a:rPr>
               <a:t>פרויקט מקרר חכם</a:t>
             </a:r>
           </a:p>
@@ -6428,7 +5872,10 @@
               <a:buNone/>
             </a:pPr>
             <a:r>
-              <a:rPr lang="en" dirty="0"/>
+              <a:rPr lang="en" dirty="0">
+                <a:latin typeface="BN Madregot" pitchFamily="2" charset="-79"/>
+                <a:cs typeface="BN Madregot" pitchFamily="2" charset="-79"/>
+              </a:rPr>
               <a:t>אבירן ג’רבי, אבירן ברדה ודולב בן שושן</a:t>
             </a:r>
           </a:p>
@@ -6496,29 +5943,53 @@
           </a:bodyPr>
           <a:lstStyle/>
           <a:p>
-            <a:pPr lvl="0" algn="ctr">
+            <a:pPr marL="0" marR="0" lvl="0" indent="0" algn="ctr" defTabSz="914400" rtl="0" eaLnBrk="1" fontAlgn="auto" latinLnBrk="0" hangingPunct="1">
+              <a:lnSpc>
+                <a:spcPct val="100000"/>
+              </a:lnSpc>
+              <a:spcBef>
+                <a:spcPts val="0"/>
+              </a:spcBef>
+              <a:spcAft>
+                <a:spcPts val="0"/>
+              </a:spcAft>
               <a:buClr>
                 <a:schemeClr val="accent1"/>
               </a:buClr>
               <a:buSzPct val="100000"/>
+              <a:buFont typeface="Old Standard TT"/>
+              <a:buNone/>
+              <a:tabLst/>
               <a:defRPr/>
             </a:pPr>
             <a:r>
-              <a:rPr lang="he-IL" sz="4400" dirty="0" smtClean="0">
+              <a:rPr kumimoji="0" lang="he-IL" sz="4400" b="0" i="0" u="none" strike="noStrike" kern="0" cap="none" spc="0" normalizeH="0" baseline="0" noProof="0" dirty="0" smtClean="0">
+                <a:ln>
+                  <a:noFill/>
+                </a:ln>
                 <a:solidFill>
                   <a:schemeClr val="accent1"/>
                 </a:solidFill>
+                <a:effectLst/>
+                <a:uLnTx/>
+                <a:uFillTx/>
                 <a:latin typeface="BN Madregot" pitchFamily="2" charset="-79"/>
                 <a:ea typeface="Old Standard TT"/>
                 <a:cs typeface="BN Madregot" pitchFamily="2" charset="-79"/>
                 <a:sym typeface="Old Standard TT"/>
               </a:rPr>
-              <a:t>פירוק אובייקטים מהתמונה</a:t>
+              <a:t>עיבוד תמונה מקדים</a:t>
             </a:r>
-            <a:endParaRPr lang="en" sz="4400" dirty="0">
+            <a:endParaRPr kumimoji="0" lang="en" sz="4400" b="0" i="0" u="none" strike="noStrike" kern="0" cap="none" spc="0" normalizeH="0" baseline="0" noProof="0" dirty="0">
+              <a:ln>
+                <a:noFill/>
+              </a:ln>
               <a:solidFill>
                 <a:schemeClr val="accent1"/>
               </a:solidFill>
+              <a:effectLst/>
+              <a:uLnTx/>
+              <a:uFillTx/>
               <a:latin typeface="BN Madregot" pitchFamily="2" charset="-79"/>
               <a:ea typeface="Old Standard TT"/>
               <a:cs typeface="BN Madregot" pitchFamily="2" charset="-79"/>
@@ -6529,7 +6000,7 @@
       </p:sp>
       <p:pic>
         <p:nvPicPr>
-          <p:cNvPr id="2054" name="Picture 6" descr="C:\Projects\FinalProjectGit\FinalsProject\DateReader\Images\5.jpg"/>
+          <p:cNvPr id="2050" name="Picture 2" descr="C:\Projects\FinalProjectGit\FinalsProject\DateReader\Images\1.jpg"/>
           <p:cNvPicPr>
             <a:picLocks noChangeAspect="1" noChangeArrowheads="1"/>
           </p:cNvPicPr>
@@ -6537,15 +6008,15 @@
         </p:nvPicPr>
         <p:blipFill>
           <a:blip r:embed="rId3"/>
-          <a:srcRect l="5433" t="13533" r="4925" b="12846"/>
+          <a:srcRect l="5882" t="9769" r="2941" b="12082"/>
           <a:stretch>
             <a:fillRect/>
           </a:stretch>
         </p:blipFill>
         <p:spPr bwMode="auto">
           <a:xfrm>
-            <a:off x="899592" y="987574"/>
-            <a:ext cx="6989012" cy="1728192"/>
+            <a:off x="467544" y="1491630"/>
+            <a:ext cx="3627403" cy="936104"/>
           </a:xfrm>
           <a:prstGeom prst="rect">
             <a:avLst/>
@@ -6555,7 +6026,7 @@
       </p:pic>
       <p:pic>
         <p:nvPicPr>
-          <p:cNvPr id="2055" name="Picture 7" descr="C:\Projects\FinalProjectGit\FinalsProject\DateReader\Images\6.jpg"/>
+          <p:cNvPr id="2051" name="Picture 3" descr="C:\Projects\FinalProjectGit\FinalsProject\DateReader\Images\2.jpg"/>
           <p:cNvPicPr>
             <a:picLocks noChangeAspect="1" noChangeArrowheads="1"/>
           </p:cNvPicPr>
@@ -6563,15 +6034,15 @@
         </p:nvPicPr>
         <p:blipFill>
           <a:blip r:embed="rId4"/>
-          <a:srcRect l="40377" t="5877" r="40261" b="11236"/>
+          <a:srcRect l="5791" t="13444" r="4445" b="9617"/>
           <a:stretch>
             <a:fillRect/>
           </a:stretch>
         </p:blipFill>
         <p:spPr bwMode="auto">
           <a:xfrm>
-            <a:off x="1259632" y="3219822"/>
-            <a:ext cx="1396912" cy="1800464"/>
+            <a:off x="467544" y="3219822"/>
+            <a:ext cx="3627403" cy="936104"/>
           </a:xfrm>
           <a:prstGeom prst="rect">
             <a:avLst/>
@@ -6581,7 +6052,7 @@
       </p:pic>
       <p:pic>
         <p:nvPicPr>
-          <p:cNvPr id="2056" name="Picture 8" descr="C:\Projects\FinalProjectGit\FinalsProject\DateReader\Images\7.jpg"/>
+          <p:cNvPr id="2052" name="Picture 4" descr="C:\Projects\FinalProjectGit\FinalsProject\DateReader\Images\3.jpg"/>
           <p:cNvPicPr>
             <a:picLocks noChangeAspect="1" noChangeArrowheads="1"/>
           </p:cNvPicPr>
@@ -6589,15 +6060,41 @@
         </p:nvPicPr>
         <p:blipFill>
           <a:blip r:embed="rId5"/>
-          <a:srcRect l="37558" t="5839" r="37486" b="11274"/>
+          <a:srcRect l="5474" t="9091" r="5843" b="13182"/>
           <a:stretch>
             <a:fillRect/>
           </a:stretch>
         </p:blipFill>
         <p:spPr bwMode="auto">
           <a:xfrm>
-            <a:off x="5148064" y="3219822"/>
-            <a:ext cx="1779662" cy="1779662"/>
+            <a:off x="4860032" y="1491630"/>
+            <a:ext cx="3851920" cy="1016479"/>
+          </a:xfrm>
+          <a:prstGeom prst="rect">
+            <a:avLst/>
+          </a:prstGeom>
+          <a:noFill/>
+        </p:spPr>
+      </p:pic>
+      <p:pic>
+        <p:nvPicPr>
+          <p:cNvPr id="2053" name="Picture 5" descr="C:\Projects\FinalProjectGit\FinalsProject\DateReader\Images\4.jpg"/>
+          <p:cNvPicPr>
+            <a:picLocks noChangeAspect="1" noChangeArrowheads="1"/>
+          </p:cNvPicPr>
+          <p:nvPr/>
+        </p:nvPicPr>
+        <p:blipFill>
+          <a:blip r:embed="rId6"/>
+          <a:srcRect l="5196" t="8628" r="5059" b="12931"/>
+          <a:stretch>
+            <a:fillRect/>
+          </a:stretch>
+        </p:blipFill>
+        <p:spPr bwMode="auto">
+          <a:xfrm>
+            <a:off x="4860032" y="3147814"/>
+            <a:ext cx="4090054" cy="1076331"/>
           </a:xfrm>
           <a:prstGeom prst="rect">
             <a:avLst/>
@@ -6607,13 +6104,13 @@
       </p:pic>
       <p:sp>
         <p:nvSpPr>
-          <p:cNvPr id="21" name="חץ למטה 20"/>
+          <p:cNvPr id="22" name="חץ למטה 21"/>
           <p:cNvSpPr/>
           <p:nvPr/>
         </p:nvSpPr>
         <p:spPr>
           <a:xfrm>
-            <a:off x="1835696" y="2787774"/>
+            <a:off x="2123728" y="2571750"/>
             <a:ext cx="144016" cy="288032"/>
           </a:xfrm>
           <a:prstGeom prst="downArrow">
@@ -6650,13 +6147,56 @@
       </p:sp>
       <p:sp>
         <p:nvSpPr>
-          <p:cNvPr id="18" name="חץ למטה 17"/>
+          <p:cNvPr id="24" name="חץ למטה 23"/>
           <p:cNvSpPr/>
           <p:nvPr/>
         </p:nvSpPr>
         <p:spPr>
-          <a:xfrm rot="16200000">
-            <a:off x="3851920" y="3867894"/>
+          <a:xfrm rot="13223387">
+            <a:off x="4355976" y="2787774"/>
+            <a:ext cx="144016" cy="288032"/>
+          </a:xfrm>
+          <a:prstGeom prst="downArrow">
+            <a:avLst>
+              <a:gd name="adj1" fmla="val 36772"/>
+              <a:gd name="adj2" fmla="val 50000"/>
+            </a:avLst>
+          </a:prstGeom>
+        </p:spPr>
+        <p:style>
+          <a:lnRef idx="2">
+            <a:schemeClr val="accent1">
+              <a:shade val="50000"/>
+            </a:schemeClr>
+          </a:lnRef>
+          <a:fillRef idx="1">
+            <a:schemeClr val="accent1"/>
+          </a:fillRef>
+          <a:effectRef idx="0">
+            <a:schemeClr val="accent1"/>
+          </a:effectRef>
+          <a:fontRef idx="minor">
+            <a:schemeClr val="lt1"/>
+          </a:fontRef>
+        </p:style>
+        <p:txBody>
+          <a:bodyPr rtlCol="1" anchor="ctr"/>
+          <a:lstStyle/>
+          <a:p>
+            <a:pPr algn="ctr"/>
+            <a:endParaRPr lang="he-IL"/>
+          </a:p>
+        </p:txBody>
+      </p:sp>
+      <p:sp>
+        <p:nvSpPr>
+          <p:cNvPr id="25" name="חץ למטה 24"/>
+          <p:cNvSpPr/>
+          <p:nvPr/>
+        </p:nvSpPr>
+        <p:spPr>
+          <a:xfrm>
+            <a:off x="6876256" y="2643758"/>
             <a:ext cx="144016" cy="288032"/>
           </a:xfrm>
           <a:prstGeom prst="downArrow">
@@ -6728,166 +6268,6 @@
       </p:grpSpPr>
       <p:sp>
         <p:nvSpPr>
-          <p:cNvPr id="78" name="Shape 78"/>
-          <p:cNvSpPr txBox="1">
-            <a:spLocks noGrp="1"/>
-          </p:cNvSpPr>
-          <p:nvPr>
-            <p:ph type="title"/>
-          </p:nvPr>
-        </p:nvSpPr>
-        <p:spPr>
-          <a:xfrm>
-            <a:off x="562258" y="987574"/>
-            <a:ext cx="8258214" cy="4104456"/>
-          </a:xfrm>
-          <a:prstGeom prst="rect">
-            <a:avLst/>
-          </a:prstGeom>
-        </p:spPr>
-        <p:txBody>
-          <a:bodyPr lIns="91425" tIns="91425" rIns="91425" bIns="91425" anchor="ctr" anchorCtr="0">
-            <a:noAutofit/>
-          </a:bodyPr>
-          <a:lstStyle/>
-          <a:p>
-            <a:pPr lvl="0" algn="r" rtl="1">
-              <a:lnSpc>
-                <a:spcPct val="115000"/>
-              </a:lnSpc>
-              <a:spcBef>
-                <a:spcPts val="800"/>
-              </a:spcBef>
-              <a:buClr>
-                <a:schemeClr val="dk1"/>
-              </a:buClr>
-              <a:buSzPct val="34375"/>
-            </a:pPr>
-            <a:r>
-              <a:rPr lang="he-IL" sz="3200" dirty="0" smtClean="0">
-                <a:solidFill>
-                  <a:schemeClr val="dk1"/>
-                </a:solidFill>
-                <a:latin typeface="BN Madregot" pitchFamily="2" charset="-79"/>
-                <a:ea typeface="Arial"/>
-                <a:cs typeface="BN Madregot" pitchFamily="2" charset="-79"/>
-                <a:sym typeface="Arial"/>
-              </a:rPr>
-              <a:t>- כל אובייקט שפורק מהתמונה מוזן</a:t>
-            </a:r>
-            <a:r>
-              <a:rPr lang="en-US" sz="3200" dirty="0" smtClean="0">
-                <a:solidFill>
-                  <a:schemeClr val="dk1"/>
-                </a:solidFill>
-                <a:latin typeface="BN Madregot" pitchFamily="2" charset="-79"/>
-                <a:ea typeface="Arial"/>
-                <a:cs typeface="BN Madregot" pitchFamily="2" charset="-79"/>
-                <a:sym typeface="Arial"/>
-              </a:rPr>
-              <a:t/>
-            </a:r>
-            <a:br>
-              <a:rPr lang="en-US" sz="3200" dirty="0" smtClean="0">
-                <a:solidFill>
-                  <a:schemeClr val="dk1"/>
-                </a:solidFill>
-                <a:latin typeface="BN Madregot" pitchFamily="2" charset="-79"/>
-                <a:ea typeface="Arial"/>
-                <a:cs typeface="BN Madregot" pitchFamily="2" charset="-79"/>
-                <a:sym typeface="Arial"/>
-              </a:rPr>
-            </a:br>
-            <a:r>
-              <a:rPr lang="he-IL" sz="3200" dirty="0" smtClean="0">
-                <a:solidFill>
-                  <a:schemeClr val="dk1"/>
-                </a:solidFill>
-                <a:latin typeface="BN Madregot" pitchFamily="2" charset="-79"/>
-                <a:ea typeface="Arial"/>
-                <a:cs typeface="BN Madregot" pitchFamily="2" charset="-79"/>
-                <a:sym typeface="Arial"/>
-              </a:rPr>
-              <a:t>לרשת הנוירונים</a:t>
-            </a:r>
-            <a:br>
-              <a:rPr lang="he-IL" sz="3200" dirty="0" smtClean="0">
-                <a:solidFill>
-                  <a:schemeClr val="dk1"/>
-                </a:solidFill>
-                <a:latin typeface="BN Madregot" pitchFamily="2" charset="-79"/>
-                <a:ea typeface="Arial"/>
-                <a:cs typeface="BN Madregot" pitchFamily="2" charset="-79"/>
-                <a:sym typeface="Arial"/>
-              </a:rPr>
-            </a:br>
-            <a:r>
-              <a:rPr lang="he-IL" sz="3200" dirty="0" smtClean="0">
-                <a:solidFill>
-                  <a:schemeClr val="dk1"/>
-                </a:solidFill>
-                <a:latin typeface="BN Madregot" pitchFamily="2" charset="-79"/>
-                <a:ea typeface="Arial"/>
-                <a:cs typeface="BN Madregot" pitchFamily="2" charset="-79"/>
-                <a:sym typeface="Arial"/>
-              </a:rPr>
-              <a:t>- הרשת מבצעת פרדיקציה לכל </a:t>
-            </a:r>
-            <a:br>
-              <a:rPr lang="he-IL" sz="3200" dirty="0" smtClean="0">
-                <a:solidFill>
-                  <a:schemeClr val="dk1"/>
-                </a:solidFill>
-                <a:latin typeface="BN Madregot" pitchFamily="2" charset="-79"/>
-                <a:ea typeface="Arial"/>
-                <a:cs typeface="BN Madregot" pitchFamily="2" charset="-79"/>
-                <a:sym typeface="Arial"/>
-              </a:rPr>
-            </a:br>
-            <a:r>
-              <a:rPr lang="he-IL" sz="3200" dirty="0" smtClean="0">
-                <a:solidFill>
-                  <a:schemeClr val="dk1"/>
-                </a:solidFill>
-                <a:latin typeface="BN Madregot" pitchFamily="2" charset="-79"/>
-                <a:ea typeface="Arial"/>
-                <a:cs typeface="BN Madregot" pitchFamily="2" charset="-79"/>
-                <a:sym typeface="Arial"/>
-              </a:rPr>
-              <a:t>אובייקט</a:t>
-            </a:r>
-            <a:br>
-              <a:rPr lang="he-IL" sz="3200" dirty="0" smtClean="0">
-                <a:solidFill>
-                  <a:schemeClr val="dk1"/>
-                </a:solidFill>
-                <a:latin typeface="BN Madregot" pitchFamily="2" charset="-79"/>
-                <a:ea typeface="Arial"/>
-                <a:cs typeface="BN Madregot" pitchFamily="2" charset="-79"/>
-                <a:sym typeface="Arial"/>
-              </a:rPr>
-            </a:br>
-            <a:r>
-              <a:rPr lang="he-IL" sz="3200" dirty="0" smtClean="0">
-                <a:solidFill>
-                  <a:schemeClr val="dk1"/>
-                </a:solidFill>
-                <a:latin typeface="BN Madregot" pitchFamily="2" charset="-79"/>
-                <a:ea typeface="Arial"/>
-                <a:cs typeface="BN Madregot" pitchFamily="2" charset="-79"/>
-                <a:sym typeface="Arial"/>
-              </a:rPr>
-              <a:t>- מורכב תאריך</a:t>
-            </a:r>
-            <a:endParaRPr dirty="0">
-              <a:latin typeface="BN Madregot" pitchFamily="2" charset="-79"/>
-              <a:cs typeface="BN Madregot" pitchFamily="2" charset="-79"/>
-            </a:endParaRPr>
-          </a:p>
-        </p:txBody>
-      </p:sp>
-      <p:sp>
-        <p:nvSpPr>
           <p:cNvPr id="3" name="Shape 83"/>
           <p:cNvSpPr txBox="1">
             <a:spLocks/>
@@ -6913,53 +6293,29 @@
           </a:bodyPr>
           <a:lstStyle/>
           <a:p>
-            <a:pPr marL="0" marR="0" lvl="0" indent="0" algn="ctr" defTabSz="914400" rtl="0" eaLnBrk="1" fontAlgn="auto" latinLnBrk="0" hangingPunct="1">
-              <a:lnSpc>
-                <a:spcPct val="100000"/>
-              </a:lnSpc>
-              <a:spcBef>
-                <a:spcPts val="0"/>
-              </a:spcBef>
-              <a:spcAft>
-                <a:spcPts val="0"/>
-              </a:spcAft>
+            <a:pPr lvl="0" algn="ctr">
               <a:buClr>
                 <a:schemeClr val="accent1"/>
               </a:buClr>
               <a:buSzPct val="100000"/>
-              <a:buFont typeface="Old Standard TT"/>
-              <a:buNone/>
-              <a:tabLst/>
               <a:defRPr/>
             </a:pPr>
             <a:r>
-              <a:rPr kumimoji="0" lang="he-IL" sz="4400" b="0" i="0" u="none" strike="noStrike" kern="0" cap="none" spc="0" normalizeH="0" baseline="0" noProof="0" dirty="0" smtClean="0">
-                <a:ln>
-                  <a:noFill/>
-                </a:ln>
+              <a:rPr lang="he-IL" sz="4400" dirty="0" smtClean="0">
                 <a:solidFill>
                   <a:schemeClr val="accent1"/>
                 </a:solidFill>
-                <a:effectLst/>
-                <a:uLnTx/>
-                <a:uFillTx/>
                 <a:latin typeface="BN Madregot" pitchFamily="2" charset="-79"/>
                 <a:ea typeface="Old Standard TT"/>
                 <a:cs typeface="BN Madregot" pitchFamily="2" charset="-79"/>
                 <a:sym typeface="Old Standard TT"/>
               </a:rPr>
-              <a:t>סיווג כל אובייקט</a:t>
+              <a:t>פירוק אובייקטים מהתמונה</a:t>
             </a:r>
-            <a:endParaRPr kumimoji="0" lang="en" sz="4400" b="0" i="0" u="none" strike="noStrike" kern="0" cap="none" spc="0" normalizeH="0" baseline="0" noProof="0" dirty="0">
-              <a:ln>
-                <a:noFill/>
-              </a:ln>
+            <a:endParaRPr lang="en" sz="4400" dirty="0">
               <a:solidFill>
                 <a:schemeClr val="accent1"/>
               </a:solidFill>
-              <a:effectLst/>
-              <a:uLnTx/>
-              <a:uFillTx/>
               <a:latin typeface="BN Madregot" pitchFamily="2" charset="-79"/>
               <a:ea typeface="Old Standard TT"/>
               <a:cs typeface="BN Madregot" pitchFamily="2" charset="-79"/>
@@ -6970,7 +6326,7 @@
       </p:sp>
       <p:pic>
         <p:nvPicPr>
-          <p:cNvPr id="4" name="Picture 8" descr="C:\Projects\FinalProjectGit\FinalsProject\DateReader\Images\7.jpg"/>
+          <p:cNvPr id="2054" name="Picture 6" descr="C:\Projects\FinalProjectGit\FinalsProject\DateReader\Images\5.jpg"/>
           <p:cNvPicPr>
             <a:picLocks noChangeAspect="1" noChangeArrowheads="1"/>
           </p:cNvPicPr>
@@ -6978,6 +6334,58 @@
         </p:nvPicPr>
         <p:blipFill>
           <a:blip r:embed="rId3"/>
+          <a:srcRect l="5433" t="13533" r="4925" b="12846"/>
+          <a:stretch>
+            <a:fillRect/>
+          </a:stretch>
+        </p:blipFill>
+        <p:spPr bwMode="auto">
+          <a:xfrm>
+            <a:off x="899592" y="987574"/>
+            <a:ext cx="6989012" cy="1728192"/>
+          </a:xfrm>
+          <a:prstGeom prst="rect">
+            <a:avLst/>
+          </a:prstGeom>
+          <a:noFill/>
+        </p:spPr>
+      </p:pic>
+      <p:pic>
+        <p:nvPicPr>
+          <p:cNvPr id="2055" name="Picture 7" descr="C:\Projects\FinalProjectGit\FinalsProject\DateReader\Images\6.jpg"/>
+          <p:cNvPicPr>
+            <a:picLocks noChangeAspect="1" noChangeArrowheads="1"/>
+          </p:cNvPicPr>
+          <p:nvPr/>
+        </p:nvPicPr>
+        <p:blipFill>
+          <a:blip r:embed="rId4"/>
+          <a:srcRect l="40377" t="5877" r="40261" b="11236"/>
+          <a:stretch>
+            <a:fillRect/>
+          </a:stretch>
+        </p:blipFill>
+        <p:spPr bwMode="auto">
+          <a:xfrm>
+            <a:off x="1259632" y="3219822"/>
+            <a:ext cx="1396912" cy="1800464"/>
+          </a:xfrm>
+          <a:prstGeom prst="rect">
+            <a:avLst/>
+          </a:prstGeom>
+          <a:noFill/>
+        </p:spPr>
+      </p:pic>
+      <p:pic>
+        <p:nvPicPr>
+          <p:cNvPr id="2056" name="Picture 8" descr="C:\Projects\FinalProjectGit\FinalsProject\DateReader\Images\7.jpg"/>
+          <p:cNvPicPr>
+            <a:picLocks noChangeAspect="1" noChangeArrowheads="1"/>
+          </p:cNvPicPr>
+          <p:nvPr/>
+        </p:nvPicPr>
+        <p:blipFill>
+          <a:blip r:embed="rId5"/>
           <a:srcRect l="37558" t="5839" r="37486" b="11274"/>
           <a:stretch>
             <a:fillRect/>
@@ -6985,7 +6393,7 @@
         </p:blipFill>
         <p:spPr bwMode="auto">
           <a:xfrm>
-            <a:off x="611560" y="1707654"/>
+            <a:off x="5148064" y="3219822"/>
             <a:ext cx="1779662" cy="1779662"/>
           </a:xfrm>
           <a:prstGeom prst="rect">
@@ -6994,6 +6402,92 @@
           <a:noFill/>
         </p:spPr>
       </p:pic>
+      <p:sp>
+        <p:nvSpPr>
+          <p:cNvPr id="21" name="חץ למטה 20"/>
+          <p:cNvSpPr/>
+          <p:nvPr/>
+        </p:nvSpPr>
+        <p:spPr>
+          <a:xfrm>
+            <a:off x="1835696" y="2787774"/>
+            <a:ext cx="144016" cy="288032"/>
+          </a:xfrm>
+          <a:prstGeom prst="downArrow">
+            <a:avLst>
+              <a:gd name="adj1" fmla="val 36772"/>
+              <a:gd name="adj2" fmla="val 50000"/>
+            </a:avLst>
+          </a:prstGeom>
+        </p:spPr>
+        <p:style>
+          <a:lnRef idx="2">
+            <a:schemeClr val="accent1">
+              <a:shade val="50000"/>
+            </a:schemeClr>
+          </a:lnRef>
+          <a:fillRef idx="1">
+            <a:schemeClr val="accent1"/>
+          </a:fillRef>
+          <a:effectRef idx="0">
+            <a:schemeClr val="accent1"/>
+          </a:effectRef>
+          <a:fontRef idx="minor">
+            <a:schemeClr val="lt1"/>
+          </a:fontRef>
+        </p:style>
+        <p:txBody>
+          <a:bodyPr rtlCol="1" anchor="ctr"/>
+          <a:lstStyle/>
+          <a:p>
+            <a:pPr algn="ctr"/>
+            <a:endParaRPr lang="he-IL"/>
+          </a:p>
+        </p:txBody>
+      </p:sp>
+      <p:sp>
+        <p:nvSpPr>
+          <p:cNvPr id="18" name="חץ למטה 17"/>
+          <p:cNvSpPr/>
+          <p:nvPr/>
+        </p:nvSpPr>
+        <p:spPr>
+          <a:xfrm rot="16200000">
+            <a:off x="3851920" y="3867894"/>
+            <a:ext cx="144016" cy="288032"/>
+          </a:xfrm>
+          <a:prstGeom prst="downArrow">
+            <a:avLst>
+              <a:gd name="adj1" fmla="val 36772"/>
+              <a:gd name="adj2" fmla="val 50000"/>
+            </a:avLst>
+          </a:prstGeom>
+        </p:spPr>
+        <p:style>
+          <a:lnRef idx="2">
+            <a:schemeClr val="accent1">
+              <a:shade val="50000"/>
+            </a:schemeClr>
+          </a:lnRef>
+          <a:fillRef idx="1">
+            <a:schemeClr val="accent1"/>
+          </a:fillRef>
+          <a:effectRef idx="0">
+            <a:schemeClr val="accent1"/>
+          </a:effectRef>
+          <a:fontRef idx="minor">
+            <a:schemeClr val="lt1"/>
+          </a:fontRef>
+        </p:style>
+        <p:txBody>
+          <a:bodyPr rtlCol="1" anchor="ctr"/>
+          <a:lstStyle/>
+          <a:p>
+            <a:pPr algn="ctr"/>
+            <a:endParaRPr lang="he-IL"/>
+          </a:p>
+        </p:txBody>
+      </p:sp>
     </p:spTree>
   </p:cSld>
   <p:clrMapOvr>
@@ -7076,6 +6570,309 @@
                 <a:cs typeface="BN Madregot" pitchFamily="2" charset="-79"/>
                 <a:sym typeface="Arial"/>
               </a:rPr>
+              <a:t>- כל אובייקט שפורק מהתמונה מוזן</a:t>
+            </a:r>
+            <a:r>
+              <a:rPr lang="en-US" sz="3200" dirty="0" smtClean="0">
+                <a:solidFill>
+                  <a:schemeClr val="dk1"/>
+                </a:solidFill>
+                <a:latin typeface="BN Madregot" pitchFamily="2" charset="-79"/>
+                <a:ea typeface="Arial"/>
+                <a:cs typeface="BN Madregot" pitchFamily="2" charset="-79"/>
+                <a:sym typeface="Arial"/>
+              </a:rPr>
+              <a:t/>
+            </a:r>
+            <a:br>
+              <a:rPr lang="en-US" sz="3200" dirty="0" smtClean="0">
+                <a:solidFill>
+                  <a:schemeClr val="dk1"/>
+                </a:solidFill>
+                <a:latin typeface="BN Madregot" pitchFamily="2" charset="-79"/>
+                <a:ea typeface="Arial"/>
+                <a:cs typeface="BN Madregot" pitchFamily="2" charset="-79"/>
+                <a:sym typeface="Arial"/>
+              </a:rPr>
+            </a:br>
+            <a:r>
+              <a:rPr lang="he-IL" sz="3200" dirty="0" smtClean="0">
+                <a:solidFill>
+                  <a:schemeClr val="dk1"/>
+                </a:solidFill>
+                <a:latin typeface="BN Madregot" pitchFamily="2" charset="-79"/>
+                <a:ea typeface="Arial"/>
+                <a:cs typeface="BN Madregot" pitchFamily="2" charset="-79"/>
+                <a:sym typeface="Arial"/>
+              </a:rPr>
+              <a:t>לרשת הנוירונים</a:t>
+            </a:r>
+            <a:br>
+              <a:rPr lang="he-IL" sz="3200" dirty="0" smtClean="0">
+                <a:solidFill>
+                  <a:schemeClr val="dk1"/>
+                </a:solidFill>
+                <a:latin typeface="BN Madregot" pitchFamily="2" charset="-79"/>
+                <a:ea typeface="Arial"/>
+                <a:cs typeface="BN Madregot" pitchFamily="2" charset="-79"/>
+                <a:sym typeface="Arial"/>
+              </a:rPr>
+            </a:br>
+            <a:r>
+              <a:rPr lang="he-IL" sz="3200" dirty="0" smtClean="0">
+                <a:solidFill>
+                  <a:schemeClr val="dk1"/>
+                </a:solidFill>
+                <a:latin typeface="BN Madregot" pitchFamily="2" charset="-79"/>
+                <a:ea typeface="Arial"/>
+                <a:cs typeface="BN Madregot" pitchFamily="2" charset="-79"/>
+                <a:sym typeface="Arial"/>
+              </a:rPr>
+              <a:t>- הרשת מבצעת פרדיקציה לכל </a:t>
+            </a:r>
+            <a:br>
+              <a:rPr lang="he-IL" sz="3200" dirty="0" smtClean="0">
+                <a:solidFill>
+                  <a:schemeClr val="dk1"/>
+                </a:solidFill>
+                <a:latin typeface="BN Madregot" pitchFamily="2" charset="-79"/>
+                <a:ea typeface="Arial"/>
+                <a:cs typeface="BN Madregot" pitchFamily="2" charset="-79"/>
+                <a:sym typeface="Arial"/>
+              </a:rPr>
+            </a:br>
+            <a:r>
+              <a:rPr lang="he-IL" sz="3200" dirty="0" smtClean="0">
+                <a:solidFill>
+                  <a:schemeClr val="dk1"/>
+                </a:solidFill>
+                <a:latin typeface="BN Madregot" pitchFamily="2" charset="-79"/>
+                <a:ea typeface="Arial"/>
+                <a:cs typeface="BN Madregot" pitchFamily="2" charset="-79"/>
+                <a:sym typeface="Arial"/>
+              </a:rPr>
+              <a:t>אובייקט</a:t>
+            </a:r>
+            <a:br>
+              <a:rPr lang="he-IL" sz="3200" dirty="0" smtClean="0">
+                <a:solidFill>
+                  <a:schemeClr val="dk1"/>
+                </a:solidFill>
+                <a:latin typeface="BN Madregot" pitchFamily="2" charset="-79"/>
+                <a:ea typeface="Arial"/>
+                <a:cs typeface="BN Madregot" pitchFamily="2" charset="-79"/>
+                <a:sym typeface="Arial"/>
+              </a:rPr>
+            </a:br>
+            <a:r>
+              <a:rPr lang="he-IL" sz="3200" dirty="0" smtClean="0">
+                <a:solidFill>
+                  <a:schemeClr val="dk1"/>
+                </a:solidFill>
+                <a:latin typeface="BN Madregot" pitchFamily="2" charset="-79"/>
+                <a:ea typeface="Arial"/>
+                <a:cs typeface="BN Madregot" pitchFamily="2" charset="-79"/>
+                <a:sym typeface="Arial"/>
+              </a:rPr>
+              <a:t>- מורכב תאריך</a:t>
+            </a:r>
+            <a:endParaRPr dirty="0">
+              <a:latin typeface="BN Madregot" pitchFamily="2" charset="-79"/>
+              <a:cs typeface="BN Madregot" pitchFamily="2" charset="-79"/>
+            </a:endParaRPr>
+          </a:p>
+        </p:txBody>
+      </p:sp>
+      <p:sp>
+        <p:nvSpPr>
+          <p:cNvPr id="3" name="Shape 83"/>
+          <p:cNvSpPr txBox="1">
+            <a:spLocks/>
+          </p:cNvSpPr>
+          <p:nvPr/>
+        </p:nvSpPr>
+        <p:spPr>
+          <a:xfrm>
+            <a:off x="683568" y="195486"/>
+            <a:ext cx="8118599" cy="936104"/>
+          </a:xfrm>
+          <a:prstGeom prst="rect">
+            <a:avLst/>
+          </a:prstGeom>
+          <a:noFill/>
+          <a:ln>
+            <a:noFill/>
+          </a:ln>
+        </p:spPr>
+        <p:txBody>
+          <a:bodyPr lIns="91425" tIns="91425" rIns="91425" bIns="91425" anchor="ctr" anchorCtr="0">
+            <a:noAutofit/>
+          </a:bodyPr>
+          <a:lstStyle/>
+          <a:p>
+            <a:pPr marL="0" marR="0" lvl="0" indent="0" algn="ctr" defTabSz="914400" rtl="0" eaLnBrk="1" fontAlgn="auto" latinLnBrk="0" hangingPunct="1">
+              <a:lnSpc>
+                <a:spcPct val="100000"/>
+              </a:lnSpc>
+              <a:spcBef>
+                <a:spcPts val="0"/>
+              </a:spcBef>
+              <a:spcAft>
+                <a:spcPts val="0"/>
+              </a:spcAft>
+              <a:buClr>
+                <a:schemeClr val="accent1"/>
+              </a:buClr>
+              <a:buSzPct val="100000"/>
+              <a:buFont typeface="Old Standard TT"/>
+              <a:buNone/>
+              <a:tabLst/>
+              <a:defRPr/>
+            </a:pPr>
+            <a:r>
+              <a:rPr kumimoji="0" lang="he-IL" sz="4400" b="0" i="0" u="none" strike="noStrike" kern="0" cap="none" spc="0" normalizeH="0" baseline="0" noProof="0" dirty="0" smtClean="0">
+                <a:ln>
+                  <a:noFill/>
+                </a:ln>
+                <a:solidFill>
+                  <a:schemeClr val="accent1"/>
+                </a:solidFill>
+                <a:effectLst/>
+                <a:uLnTx/>
+                <a:uFillTx/>
+                <a:latin typeface="BN Madregot" pitchFamily="2" charset="-79"/>
+                <a:ea typeface="Old Standard TT"/>
+                <a:cs typeface="BN Madregot" pitchFamily="2" charset="-79"/>
+                <a:sym typeface="Old Standard TT"/>
+              </a:rPr>
+              <a:t>סיווג כל אובייקט</a:t>
+            </a:r>
+            <a:endParaRPr kumimoji="0" lang="en" sz="4400" b="0" i="0" u="none" strike="noStrike" kern="0" cap="none" spc="0" normalizeH="0" baseline="0" noProof="0" dirty="0">
+              <a:ln>
+                <a:noFill/>
+              </a:ln>
+              <a:solidFill>
+                <a:schemeClr val="accent1"/>
+              </a:solidFill>
+              <a:effectLst/>
+              <a:uLnTx/>
+              <a:uFillTx/>
+              <a:latin typeface="BN Madregot" pitchFamily="2" charset="-79"/>
+              <a:ea typeface="Old Standard TT"/>
+              <a:cs typeface="BN Madregot" pitchFamily="2" charset="-79"/>
+              <a:sym typeface="Old Standard TT"/>
+            </a:endParaRPr>
+          </a:p>
+        </p:txBody>
+      </p:sp>
+      <p:pic>
+        <p:nvPicPr>
+          <p:cNvPr id="4" name="Picture 8" descr="C:\Projects\FinalProjectGit\FinalsProject\DateReader\Images\7.jpg"/>
+          <p:cNvPicPr>
+            <a:picLocks noChangeAspect="1" noChangeArrowheads="1"/>
+          </p:cNvPicPr>
+          <p:nvPr/>
+        </p:nvPicPr>
+        <p:blipFill>
+          <a:blip r:embed="rId3"/>
+          <a:srcRect l="37558" t="5839" r="37486" b="11274"/>
+          <a:stretch>
+            <a:fillRect/>
+          </a:stretch>
+        </p:blipFill>
+        <p:spPr bwMode="auto">
+          <a:xfrm>
+            <a:off x="611560" y="1707654"/>
+            <a:ext cx="1779662" cy="1779662"/>
+          </a:xfrm>
+          <a:prstGeom prst="rect">
+            <a:avLst/>
+          </a:prstGeom>
+          <a:noFill/>
+        </p:spPr>
+      </p:pic>
+    </p:spTree>
+  </p:cSld>
+  <p:clrMapOvr>
+    <a:masterClrMapping/>
+  </p:clrMapOvr>
+  <p:transition spd="slow">
+    <p:cut/>
+  </p:transition>
+  <p:timing>
+    <p:tnLst>
+      <p:par>
+        <p:cTn id="1" dur="indefinite" restart="never" nodeType="tmRoot"/>
+      </p:par>
+    </p:tnLst>
+  </p:timing>
+</p:sld>
+</file>
+
+<file path=ppt/slides/slide13.xml><?xml version="1.0" encoding="utf-8"?>
+<p:sld xmlns:a="http://schemas.openxmlformats.org/drawingml/2006/main" xmlns:r="http://schemas.openxmlformats.org/officeDocument/2006/relationships" xmlns:p="http://schemas.openxmlformats.org/presentationml/2006/main">
+  <p:cSld>
+    <p:spTree>
+      <p:nvGrpSpPr>
+        <p:cNvPr id="1" name="Shape 77"/>
+        <p:cNvGrpSpPr/>
+        <p:nvPr/>
+      </p:nvGrpSpPr>
+      <p:grpSpPr>
+        <a:xfrm>
+          <a:off x="0" y="0"/>
+          <a:ext cx="0" cy="0"/>
+          <a:chOff x="0" y="0"/>
+          <a:chExt cx="0" cy="0"/>
+        </a:xfrm>
+      </p:grpSpPr>
+      <p:sp>
+        <p:nvSpPr>
+          <p:cNvPr id="78" name="Shape 78"/>
+          <p:cNvSpPr txBox="1">
+            <a:spLocks noGrp="1"/>
+          </p:cNvSpPr>
+          <p:nvPr>
+            <p:ph type="title"/>
+          </p:nvPr>
+        </p:nvSpPr>
+        <p:spPr>
+          <a:xfrm>
+            <a:off x="562258" y="987574"/>
+            <a:ext cx="8258214" cy="4104456"/>
+          </a:xfrm>
+          <a:prstGeom prst="rect">
+            <a:avLst/>
+          </a:prstGeom>
+        </p:spPr>
+        <p:txBody>
+          <a:bodyPr lIns="91425" tIns="91425" rIns="91425" bIns="91425" anchor="ctr" anchorCtr="0">
+            <a:noAutofit/>
+          </a:bodyPr>
+          <a:lstStyle/>
+          <a:p>
+            <a:pPr lvl="0" algn="r" rtl="1">
+              <a:lnSpc>
+                <a:spcPct val="115000"/>
+              </a:lnSpc>
+              <a:spcBef>
+                <a:spcPts val="800"/>
+              </a:spcBef>
+              <a:buClr>
+                <a:schemeClr val="dk1"/>
+              </a:buClr>
+              <a:buSzPct val="34375"/>
+            </a:pPr>
+            <a:r>
+              <a:rPr lang="he-IL" sz="3200" dirty="0" smtClean="0">
+                <a:solidFill>
+                  <a:schemeClr val="dk1"/>
+                </a:solidFill>
+                <a:latin typeface="BN Madregot" pitchFamily="2" charset="-79"/>
+                <a:ea typeface="Arial"/>
+                <a:cs typeface="BN Madregot" pitchFamily="2" charset="-79"/>
+                <a:sym typeface="Arial"/>
+              </a:rPr>
               <a:t>- איכות התמונה</a:t>
             </a:r>
             <a:br>
@@ -7350,7 +7147,7 @@
 </p:sld>
 </file>
 
-<file path=ppt/slides/slide13.xml><?xml version="1.0" encoding="utf-8"?>
+<file path=ppt/slides/slide14.xml><?xml version="1.0" encoding="utf-8"?>
 <p:sld xmlns:a="http://schemas.openxmlformats.org/drawingml/2006/main" xmlns:r="http://schemas.openxmlformats.org/officeDocument/2006/relationships" xmlns:p="http://schemas.openxmlformats.org/presentationml/2006/main">
   <p:cSld>
     <p:spTree>
@@ -7379,8 +7176,8 @@
         </p:nvSpPr>
         <p:spPr>
           <a:xfrm>
-            <a:off x="512700" y="1893300"/>
-            <a:ext cx="8118599" cy="1522800"/>
+            <a:off x="2411760" y="267494"/>
+            <a:ext cx="5976664" cy="823258"/>
           </a:xfrm>
           <a:prstGeom prst="rect">
             <a:avLst/>
@@ -7399,56 +7196,20 @@
               <a:buNone/>
             </a:pPr>
             <a:r>
-              <a:rPr lang="en"/>
-              <a:t>Client side</a:t>
+              <a:rPr lang="en-US" dirty="0" smtClean="0"/>
+              <a:t>Technologies</a:t>
             </a:r>
+            <a:endParaRPr lang="en" dirty="0"/>
           </a:p>
         </p:txBody>
       </p:sp>
-    </p:spTree>
-  </p:cSld>
-  <p:clrMapOvr>
-    <a:masterClrMapping/>
-  </p:clrMapOvr>
-  <p:transition spd="slow">
-    <p:cut/>
-  </p:transition>
-  <p:timing>
-    <p:tnLst>
-      <p:par>
-        <p:cTn id="1" dur="indefinite" restart="never" nodeType="tmRoot"/>
-      </p:par>
-    </p:tnLst>
-  </p:timing>
-</p:sld>
-</file>
-
-<file path=ppt/slides/slide14.xml><?xml version="1.0" encoding="utf-8"?>
-<p:sld xmlns:a="http://schemas.openxmlformats.org/drawingml/2006/main" xmlns:r="http://schemas.openxmlformats.org/officeDocument/2006/relationships" xmlns:p="http://schemas.openxmlformats.org/presentationml/2006/main">
-  <p:cSld>
-    <p:spTree>
-      <p:nvGrpSpPr>
-        <p:cNvPr id="1" name="Shape 101"/>
-        <p:cNvGrpSpPr/>
-        <p:nvPr/>
-      </p:nvGrpSpPr>
-      <p:grpSpPr>
-        <a:xfrm>
-          <a:off x="0" y="0"/>
-          <a:ext cx="0" cy="0"/>
-          <a:chOff x="0" y="0"/>
-          <a:chExt cx="0" cy="0"/>
-        </a:xfrm>
-      </p:grpSpPr>
       <p:sp>
         <p:nvSpPr>
-          <p:cNvPr id="102" name="Shape 102"/>
+          <p:cNvPr id="7" name="Shape 102"/>
           <p:cNvSpPr txBox="1">
-            <a:spLocks noGrp="1"/>
+            <a:spLocks/>
           </p:cNvSpPr>
-          <p:nvPr>
-            <p:ph type="body" idx="1"/>
-          </p:nvPr>
+          <p:nvPr/>
         </p:nvSpPr>
         <p:spPr>
           <a:xfrm>
@@ -7465,107 +7226,196 @@
           </a:bodyPr>
           <a:lstStyle/>
           <a:p>
-            <a:pPr rtl="0">
-              <a:spcBef>
-                <a:spcPts val="0"/>
-              </a:spcBef>
+            <a:pPr marL="0" marR="0" lvl="0" indent="0" algn="l" defTabSz="914400" rtl="0" eaLnBrk="1" fontAlgn="auto" latinLnBrk="0" hangingPunct="1">
+              <a:lnSpc>
+                <a:spcPct val="100000"/>
+              </a:lnSpc>
+              <a:spcBef>
+                <a:spcPts val="0"/>
+              </a:spcBef>
+              <a:spcAft>
+                <a:spcPts val="0"/>
+              </a:spcAft>
+              <a:buClrTx/>
+              <a:buSzTx/>
+              <a:buFontTx/>
               <a:buNone/>
+              <a:tabLst/>
+              <a:defRPr/>
             </a:pPr>
             <a:r>
-              <a:rPr lang="en" sz="1800" b="1"/>
+              <a:rPr lang="en" sz="2000" dirty="0" smtClean="0">
+                <a:solidFill>
+                  <a:schemeClr val="bg1"/>
+                </a:solidFill>
+                <a:latin typeface="Old Standard TT"/>
+                <a:ea typeface="Old Standard TT"/>
+                <a:cs typeface="Old Standard TT"/>
+              </a:rPr>
+              <a:t>Server side </a:t>
+            </a:r>
+            <a:r>
+              <a:rPr lang="en" sz="2000" dirty="0" smtClean="0">
+                <a:solidFill>
+                  <a:schemeClr val="lt2"/>
+                </a:solidFill>
+                <a:latin typeface="Old Standard TT"/>
+                <a:ea typeface="Old Standard TT"/>
+                <a:cs typeface="Old Standard TT"/>
+              </a:rPr>
               <a:t>Technologies</a:t>
             </a:r>
           </a:p>
           <a:p>
-            <a:pPr lvl="0">
-              <a:spcBef>
-                <a:spcPts val="0"/>
-              </a:spcBef>
-              <a:buNone/>
+            <a:pPr marL="0" marR="0" lvl="0" indent="0" algn="l" defTabSz="914400" rtl="0" eaLnBrk="1" fontAlgn="auto" latinLnBrk="0" hangingPunct="1">
+              <a:lnSpc>
+                <a:spcPct val="100000"/>
+              </a:lnSpc>
+              <a:spcBef>
+                <a:spcPts val="0"/>
+              </a:spcBef>
+              <a:spcAft>
+                <a:spcPts val="0"/>
+              </a:spcAft>
+              <a:buClrTx/>
+              <a:buSzTx/>
+              <a:buFont typeface="Arial" pitchFamily="34" charset="0"/>
+              <a:buChar char="•"/>
+              <a:tabLst/>
+              <a:defRPr/>
+            </a:pPr>
+            <a:endParaRPr lang="en" sz="2000" dirty="0" smtClean="0">
+              <a:solidFill>
+                <a:schemeClr val="lt2"/>
+              </a:solidFill>
+              <a:latin typeface="Old Standard TT"/>
+              <a:ea typeface="Old Standard TT"/>
+              <a:cs typeface="Old Standard TT"/>
+            </a:endParaRPr>
+          </a:p>
+          <a:p>
+            <a:pPr marL="0" marR="0" lvl="0" indent="0" algn="l" defTabSz="914400" rtl="0" eaLnBrk="1" fontAlgn="auto" latinLnBrk="0" hangingPunct="1">
+              <a:lnSpc>
+                <a:spcPct val="100000"/>
+              </a:lnSpc>
+              <a:spcBef>
+                <a:spcPts val="0"/>
+              </a:spcBef>
+              <a:spcAft>
+                <a:spcPts val="0"/>
+              </a:spcAft>
+              <a:buClrTx/>
+              <a:buSzTx/>
+              <a:buFont typeface="Arial" pitchFamily="34" charset="0"/>
+              <a:buChar char="•"/>
+              <a:tabLst/>
+              <a:defRPr/>
             </a:pPr>
             <a:r>
-              <a:rPr lang="en" sz="1600"/>
-              <a:t>Lorem ipsum dolor sit amet, consectetur adipiscing elit, sed do eiusmod tempor incididunt ut labore et dolore magna aliqua. Ut enim ad minim veniam, quis nostrud exercitation ullamco laboris nisi ut aliquip.</a:t>
+              <a:rPr lang="en" sz="2000" dirty="0" smtClean="0">
+                <a:solidFill>
+                  <a:schemeClr val="lt2"/>
+                </a:solidFill>
+                <a:latin typeface="Old Standard TT"/>
+                <a:ea typeface="Old Standard TT"/>
+                <a:cs typeface="Old Standard TT"/>
+              </a:rPr>
+              <a:t>Mysql</a:t>
             </a:r>
+          </a:p>
+          <a:p>
+            <a:pPr marL="0" marR="0" lvl="0" indent="0" algn="l" defTabSz="914400" rtl="0" eaLnBrk="1" fontAlgn="auto" latinLnBrk="0" hangingPunct="1">
+              <a:lnSpc>
+                <a:spcPct val="100000"/>
+              </a:lnSpc>
+              <a:spcBef>
+                <a:spcPts val="0"/>
+              </a:spcBef>
+              <a:spcAft>
+                <a:spcPts val="0"/>
+              </a:spcAft>
+              <a:buClrTx/>
+              <a:buSzTx/>
+              <a:buFont typeface="Arial" pitchFamily="34" charset="0"/>
+              <a:buChar char="•"/>
+              <a:tabLst/>
+              <a:defRPr/>
+            </a:pPr>
+            <a:r>
+              <a:rPr lang="en-US" sz="2000" dirty="0" smtClean="0">
+                <a:solidFill>
+                  <a:schemeClr val="lt2"/>
+                </a:solidFill>
+                <a:latin typeface="Old Standard TT"/>
+                <a:ea typeface="Old Standard TT"/>
+                <a:cs typeface="Old Standard TT"/>
+              </a:rPr>
+              <a:t>J</a:t>
+            </a:r>
+            <a:r>
+              <a:rPr lang="en" sz="2000" dirty="0" smtClean="0">
+                <a:solidFill>
+                  <a:schemeClr val="lt2"/>
+                </a:solidFill>
+                <a:latin typeface="Old Standard TT"/>
+                <a:ea typeface="Old Standard TT"/>
+                <a:cs typeface="Old Standard TT"/>
+              </a:rPr>
+              <a:t>son</a:t>
+            </a:r>
+          </a:p>
+          <a:p>
+            <a:pPr marL="0" marR="0" lvl="0" indent="0" algn="l" defTabSz="914400" rtl="0" eaLnBrk="1" fontAlgn="auto" latinLnBrk="0" hangingPunct="1">
+              <a:lnSpc>
+                <a:spcPct val="100000"/>
+              </a:lnSpc>
+              <a:spcBef>
+                <a:spcPts val="0"/>
+              </a:spcBef>
+              <a:spcAft>
+                <a:spcPts val="0"/>
+              </a:spcAft>
+              <a:buClrTx/>
+              <a:buSzTx/>
+              <a:buFont typeface="Arial" pitchFamily="34" charset="0"/>
+              <a:buChar char="•"/>
+              <a:tabLst/>
+              <a:defRPr/>
+            </a:pPr>
+            <a:r>
+              <a:rPr lang="en" sz="2000" dirty="0" smtClean="0">
+                <a:solidFill>
+                  <a:schemeClr val="lt2"/>
+                </a:solidFill>
+                <a:latin typeface="Old Standard TT"/>
+                <a:ea typeface="Old Standard TT"/>
+                <a:cs typeface="Old Standard TT"/>
+              </a:rPr>
+              <a:t>java</a:t>
+            </a:r>
+            <a:endParaRPr lang="en" sz="2000" dirty="0" smtClean="0">
+              <a:solidFill>
+                <a:schemeClr val="lt2"/>
+              </a:solidFill>
+              <a:latin typeface="Old Standard TT"/>
+              <a:ea typeface="Old Standard TT"/>
+              <a:cs typeface="Old Standard TT"/>
+            </a:endParaRPr>
           </a:p>
         </p:txBody>
       </p:sp>
       <p:sp>
         <p:nvSpPr>
-          <p:cNvPr id="103" name="Shape 103"/>
+          <p:cNvPr id="8" name="Shape 103"/>
           <p:cNvSpPr txBox="1">
-            <a:spLocks noGrp="1"/>
+            <a:spLocks/>
           </p:cNvSpPr>
-          <p:nvPr>
-            <p:ph type="body" idx="2"/>
-          </p:nvPr>
+          <p:nvPr/>
         </p:nvSpPr>
         <p:spPr>
           <a:xfrm>
             <a:off x="4832400" y="1171675"/>
             <a:ext cx="3999899" cy="3397200"/>
-          </a:xfrm>
-          <a:prstGeom prst="rect">
-            <a:avLst/>
-          </a:prstGeom>
-        </p:spPr>
-        <p:txBody>
-          <a:bodyPr lIns="91425" tIns="91425" rIns="91425" bIns="91425" anchor="t" anchorCtr="0">
-            <a:noAutofit/>
-          </a:bodyPr>
-          <a:lstStyle/>
-          <a:p>
-            <a:pPr rtl="0">
-              <a:spcBef>
-                <a:spcPts val="0"/>
-              </a:spcBef>
-              <a:buNone/>
-            </a:pPr>
-            <a:r>
-              <a:rPr lang="en" sz="1800" b="1"/>
-              <a:t>Variables that may affect the outcome...</a:t>
-            </a:r>
-          </a:p>
-          <a:p>
-            <a:pPr marL="457200" lvl="0" indent="-228600" rtl="0">
-              <a:spcBef>
-                <a:spcPts val="0"/>
-              </a:spcBef>
-              <a:buSzPct val="100000"/>
-            </a:pPr>
-            <a:r>
-              <a:rPr lang="en" sz="1600"/>
-              <a:t>Lorem ipsum dolor sit amet, consectetur adipiscing elit</a:t>
-            </a:r>
-          </a:p>
-          <a:p>
-            <a:pPr marL="457200" lvl="0" indent="-228600">
-              <a:spcBef>
-                <a:spcPts val="0"/>
-              </a:spcBef>
-              <a:buSzPct val="100000"/>
-            </a:pPr>
-            <a:r>
-              <a:rPr lang="en" sz="1600"/>
-              <a:t>Sed do eiusmod tempor incididunt ut labore et dolore magna aliqua</a:t>
-            </a:r>
-          </a:p>
-        </p:txBody>
-      </p:sp>
-      <p:sp>
-        <p:nvSpPr>
-          <p:cNvPr id="104" name="Shape 104"/>
-          <p:cNvSpPr txBox="1">
-            <a:spLocks noGrp="1"/>
-          </p:cNvSpPr>
-          <p:nvPr>
-            <p:ph type="title"/>
-          </p:nvPr>
-        </p:nvSpPr>
-        <p:spPr>
-          <a:xfrm>
-            <a:off x="311700" y="445025"/>
-            <a:ext cx="8520599" cy="613200"/>
           </a:xfrm>
           <a:prstGeom prst="rect">
             <a:avLst/>
@@ -7578,15 +7428,86 @@
           <a:lstStyle/>
           <a:p>
             <a:pPr>
-              <a:spcBef>
-                <a:spcPts val="0"/>
-              </a:spcBef>
+              <a:buFontTx/>
               <a:buNone/>
             </a:pPr>
             <a:r>
-              <a:rPr lang="en"/>
-              <a:t>Client side</a:t>
+              <a:rPr lang="en" sz="2000" dirty="0" smtClean="0">
+                <a:solidFill>
+                  <a:schemeClr val="bg1"/>
+                </a:solidFill>
+                <a:latin typeface="Old Standard TT"/>
+                <a:ea typeface="Old Standard TT"/>
+                <a:cs typeface="Old Standard TT"/>
+              </a:rPr>
+              <a:t>Client side </a:t>
             </a:r>
+            <a:r>
+              <a:rPr lang="en" sz="2000" dirty="0" smtClean="0">
+                <a:solidFill>
+                  <a:schemeClr val="lt2"/>
+                </a:solidFill>
+                <a:latin typeface="Old Standard TT"/>
+                <a:ea typeface="Old Standard TT"/>
+                <a:cs typeface="Old Standard TT"/>
+              </a:rPr>
+              <a:t>Technologies</a:t>
+            </a:r>
+          </a:p>
+          <a:p>
+            <a:pPr lvl="0">
+              <a:buFont typeface="Arial" pitchFamily="34" charset="0"/>
+              <a:buChar char="•"/>
+              <a:defRPr/>
+            </a:pPr>
+            <a:endParaRPr lang="en" sz="2000" dirty="0" smtClean="0">
+              <a:solidFill>
+                <a:schemeClr val="lt2"/>
+              </a:solidFill>
+              <a:latin typeface="Old Standard TT"/>
+              <a:ea typeface="Old Standard TT"/>
+              <a:cs typeface="Old Standard TT"/>
+            </a:endParaRPr>
+          </a:p>
+          <a:p>
+            <a:pPr lvl="0">
+              <a:buFont typeface="Arial" pitchFamily="34" charset="0"/>
+              <a:buChar char="•"/>
+              <a:defRPr/>
+            </a:pPr>
+            <a:r>
+              <a:rPr lang="en-US" sz="2000" dirty="0" err="1" smtClean="0">
+                <a:solidFill>
+                  <a:schemeClr val="lt2"/>
+                </a:solidFill>
+                <a:latin typeface="Old Standard TT"/>
+                <a:ea typeface="Old Standard TT"/>
+                <a:cs typeface="Old Standard TT"/>
+              </a:rPr>
+              <a:t>Blablabla</a:t>
+            </a:r>
+            <a:endParaRPr lang="en" sz="2000" dirty="0" smtClean="0">
+              <a:solidFill>
+                <a:schemeClr val="lt2"/>
+              </a:solidFill>
+              <a:latin typeface="Old Standard TT"/>
+              <a:ea typeface="Old Standard TT"/>
+              <a:cs typeface="Old Standard TT"/>
+            </a:endParaRPr>
+          </a:p>
+          <a:p>
+            <a:pPr>
+              <a:buFontTx/>
+              <a:buNone/>
+            </a:pPr>
+            <a:endParaRPr lang="en" sz="2000" dirty="0" smtClean="0">
+              <a:solidFill>
+                <a:schemeClr val="lt2"/>
+              </a:solidFill>
+              <a:latin typeface="Old Standard TT"/>
+              <a:ea typeface="Old Standard TT"/>
+              <a:cs typeface="Old Standard TT"/>
+            </a:endParaRPr>
           </a:p>
         </p:txBody>
       </p:sp>
@@ -7609,136 +7530,6 @@
 </file>
 
 <file path=ppt/slides/slide15.xml><?xml version="1.0" encoding="utf-8"?>
-<p:sld xmlns:a="http://schemas.openxmlformats.org/drawingml/2006/main" xmlns:r="http://schemas.openxmlformats.org/officeDocument/2006/relationships" xmlns:p="http://schemas.openxmlformats.org/presentationml/2006/main">
-  <p:cSld>
-    <p:spTree>
-      <p:nvGrpSpPr>
-        <p:cNvPr id="1" name="Shape 115"/>
-        <p:cNvGrpSpPr/>
-        <p:nvPr/>
-      </p:nvGrpSpPr>
-      <p:grpSpPr>
-        <a:xfrm>
-          <a:off x="0" y="0"/>
-          <a:ext cx="0" cy="0"/>
-          <a:chOff x="0" y="0"/>
-          <a:chExt cx="0" cy="0"/>
-        </a:xfrm>
-      </p:grpSpPr>
-      <p:pic>
-        <p:nvPicPr>
-          <p:cNvPr id="116" name="Shape 116"/>
-          <p:cNvPicPr preferRelativeResize="0"/>
-          <p:nvPr/>
-        </p:nvPicPr>
-        <p:blipFill rotWithShape="1">
-          <a:blip r:embed="rId3">
-            <a:alphaModFix/>
-          </a:blip>
-          <a:srcRect l="22872" t="1578" r="19354" b="984"/>
-          <a:stretch/>
-        </p:blipFill>
-        <p:spPr>
-          <a:xfrm>
-            <a:off x="0" y="0"/>
-            <a:ext cx="4576348" cy="5143500"/>
-          </a:xfrm>
-          <a:prstGeom prst="rect">
-            <a:avLst/>
-          </a:prstGeom>
-          <a:noFill/>
-          <a:ln>
-            <a:noFill/>
-          </a:ln>
-        </p:spPr>
-      </p:pic>
-      <p:pic>
-        <p:nvPicPr>
-          <p:cNvPr id="117" name="Shape 117"/>
-          <p:cNvPicPr preferRelativeResize="0"/>
-          <p:nvPr/>
-        </p:nvPicPr>
-        <p:blipFill rotWithShape="1">
-          <a:blip r:embed="rId4">
-            <a:alphaModFix/>
-          </a:blip>
-          <a:srcRect l="37422" t="840" r="8654" b="6840"/>
-          <a:stretch/>
-        </p:blipFill>
-        <p:spPr>
-          <a:xfrm>
-            <a:off x="4576350" y="0"/>
-            <a:ext cx="4567649" cy="5143199"/>
-          </a:xfrm>
-          <a:prstGeom prst="rect">
-            <a:avLst/>
-          </a:prstGeom>
-          <a:noFill/>
-          <a:ln>
-            <a:noFill/>
-          </a:ln>
-        </p:spPr>
-      </p:pic>
-      <p:sp>
-        <p:nvSpPr>
-          <p:cNvPr id="118" name="Shape 118"/>
-          <p:cNvSpPr txBox="1">
-            <a:spLocks noGrp="1"/>
-          </p:cNvSpPr>
-          <p:nvPr>
-            <p:ph type="body" idx="1"/>
-          </p:nvPr>
-        </p:nvSpPr>
-        <p:spPr>
-          <a:xfrm>
-            <a:off x="311700" y="4230575"/>
-            <a:ext cx="5998800" cy="605100"/>
-          </a:xfrm>
-          <a:prstGeom prst="rect">
-            <a:avLst/>
-          </a:prstGeom>
-          <a:solidFill>
-            <a:schemeClr val="lt1"/>
-          </a:solidFill>
-        </p:spPr>
-        <p:txBody>
-          <a:bodyPr lIns="91425" tIns="91425" rIns="91425" bIns="91425" anchor="ctr" anchorCtr="0">
-            <a:noAutofit/>
-          </a:bodyPr>
-          <a:lstStyle/>
-          <a:p>
-            <a:pPr>
-              <a:spcBef>
-                <a:spcPts val="0"/>
-              </a:spcBef>
-              <a:buNone/>
-            </a:pPr>
-            <a:r>
-              <a:rPr lang="en"/>
-              <a:t>The experiment</a:t>
-            </a:r>
-          </a:p>
-        </p:txBody>
-      </p:sp>
-    </p:spTree>
-  </p:cSld>
-  <p:clrMapOvr>
-    <a:masterClrMapping/>
-  </p:clrMapOvr>
-  <p:transition spd="slow">
-    <p:cut/>
-  </p:transition>
-  <p:timing>
-    <p:tnLst>
-      <p:par>
-        <p:cTn id="1" dur="indefinite" restart="never" nodeType="tmRoot"/>
-      </p:par>
-    </p:tnLst>
-  </p:timing>
-</p:sld>
-</file>
-
-<file path=ppt/slides/slide16.xml><?xml version="1.0" encoding="utf-8"?>
 <p:sld xmlns:a="http://schemas.openxmlformats.org/drawingml/2006/main" xmlns:r="http://schemas.openxmlformats.org/officeDocument/2006/relationships" xmlns:p="http://schemas.openxmlformats.org/presentationml/2006/main">
   <p:cSld>
     <p:spTree>
@@ -7787,7 +7578,7 @@
               <a:buNone/>
             </a:pPr>
             <a:r>
-              <a:rPr lang="en"/>
+              <a:rPr lang="en" dirty="0"/>
               <a:t>Conclusion</a:t>
             </a:r>
           </a:p>
@@ -7825,7 +7616,7 @@
               <a:buNone/>
             </a:pPr>
             <a:r>
-              <a:rPr lang="en"/>
+              <a:rPr lang="en" dirty="0"/>
               <a:t>Lorem ipsum dolor sit amet, consectetur adipiscing elit, sed do eiusmod tempor incididunt ut labore et dolore magna aliqua. Ut enim ad minim veniam, quis nostrud exercitation ullamco laboris nisi ut aliquip.</a:t>
             </a:r>
           </a:p>
@@ -7898,7 +7689,10 @@
               <a:buNone/>
             </a:pPr>
             <a:r>
-              <a:rPr lang="en" dirty="0"/>
+              <a:rPr lang="en" dirty="0">
+                <a:latin typeface="BN Madregot" pitchFamily="2" charset="-79"/>
+                <a:cs typeface="BN Madregot" pitchFamily="2" charset="-79"/>
+              </a:rPr>
               <a:t>הרעיון</a:t>
             </a:r>
           </a:p>
@@ -7936,8 +7730,38 @@
               <a:buNone/>
             </a:pPr>
             <a:r>
-              <a:rPr lang="en" dirty="0"/>
-              <a:t>ניהול מלאי המזון הביתי באופן חכם</a:t>
+              <a:rPr lang="en" dirty="0">
+                <a:latin typeface="BN Madregot" pitchFamily="2" charset="-79"/>
+                <a:cs typeface="BN Madregot" pitchFamily="2" charset="-79"/>
+              </a:rPr>
+              <a:t>ניהול מלאי המזון </a:t>
+            </a:r>
+            <a:r>
+              <a:rPr lang="en" dirty="0" smtClean="0">
+                <a:latin typeface="BN Madregot" pitchFamily="2" charset="-79"/>
+                <a:cs typeface="BN Madregot" pitchFamily="2" charset="-79"/>
+              </a:rPr>
+              <a:t/>
+            </a:r>
+            <a:br>
+              <a:rPr lang="en" dirty="0" smtClean="0">
+                <a:latin typeface="BN Madregot" pitchFamily="2" charset="-79"/>
+                <a:cs typeface="BN Madregot" pitchFamily="2" charset="-79"/>
+              </a:rPr>
+            </a:br>
+            <a:r>
+              <a:rPr lang="en" dirty="0" smtClean="0">
+                <a:latin typeface="BN Madregot" pitchFamily="2" charset="-79"/>
+                <a:cs typeface="BN Madregot" pitchFamily="2" charset="-79"/>
+              </a:rPr>
+              <a:t>הביתי </a:t>
+            </a:r>
+            <a:r>
+              <a:rPr lang="en" dirty="0">
+                <a:latin typeface="BN Madregot" pitchFamily="2" charset="-79"/>
+                <a:cs typeface="BN Madregot" pitchFamily="2" charset="-79"/>
+              </a:rPr>
+              <a:t>באופן חכם</a:t>
             </a:r>
           </a:p>
         </p:txBody>
@@ -7967,31 +7791,113 @@
           </a:bodyPr>
           <a:lstStyle/>
           <a:p>
-            <a:pPr algn="r" rtl="0">
+            <a:pPr algn="r" rtl="1">
               <a:spcBef>
                 <a:spcPts val="0"/>
               </a:spcBef>
               <a:spcAft>
                 <a:spcPts val="1600"/>
               </a:spcAft>
-              <a:buNone/>
+              <a:buFont typeface="Arial" pitchFamily="34" charset="0"/>
+              <a:buChar char="•"/>
             </a:pPr>
             <a:r>
-              <a:rPr lang="en" dirty="0"/>
-              <a:t>התראה על תאריך תפוגה של מוצר</a:t>
+              <a:rPr lang="he-IL" dirty="0" smtClean="0">
+                <a:latin typeface="BN Madregot" pitchFamily="2" charset="-79"/>
+                <a:cs typeface="BN Madregot" pitchFamily="2" charset="-79"/>
+              </a:rPr>
+              <a:t>מניעת בזבוז וזיהום</a:t>
             </a:r>
           </a:p>
           <a:p>
-            <a:pPr lvl="0" algn="r">
+            <a:pPr algn="r" rtl="1">
               <a:spcBef>
                 <a:spcPts val="0"/>
               </a:spcBef>
               <a:spcAft>
                 <a:spcPts val="1600"/>
               </a:spcAft>
-              <a:buNone/>
+              <a:buFont typeface="Arial" pitchFamily="34" charset="0"/>
+              <a:buChar char="•"/>
             </a:pPr>
-            <a:endParaRPr dirty="0"/>
+            <a:r>
+              <a:rPr lang="he-IL" dirty="0" smtClean="0">
+                <a:latin typeface="BN Madregot" pitchFamily="2" charset="-79"/>
+                <a:cs typeface="BN Madregot" pitchFamily="2" charset="-79"/>
+              </a:rPr>
+              <a:t>הזנה למאגר </a:t>
+            </a:r>
+            <a:r>
+              <a:rPr lang="he-IL" dirty="0" smtClean="0">
+                <a:latin typeface="BN Madregot" pitchFamily="2" charset="-79"/>
+                <a:cs typeface="BN Madregot" pitchFamily="2" charset="-79"/>
+              </a:rPr>
+              <a:t>הנתונים באמצעות </a:t>
+            </a:r>
+            <a:r>
+              <a:rPr lang="he-IL" dirty="0" smtClean="0">
+                <a:latin typeface="BN Madregot" pitchFamily="2" charset="-79"/>
+                <a:cs typeface="BN Madregot" pitchFamily="2" charset="-79"/>
+              </a:rPr>
+              <a:t>ברקוד</a:t>
+            </a:r>
+          </a:p>
+          <a:p>
+            <a:pPr algn="r" rtl="1">
+              <a:spcBef>
+                <a:spcPts val="0"/>
+              </a:spcBef>
+              <a:spcAft>
+                <a:spcPts val="1600"/>
+              </a:spcAft>
+              <a:buFont typeface="Arial" pitchFamily="34" charset="0"/>
+              <a:buChar char="•"/>
+            </a:pPr>
+            <a:r>
+              <a:rPr lang="he-IL" dirty="0" smtClean="0">
+                <a:latin typeface="BN Madregot" pitchFamily="2" charset="-79"/>
+                <a:cs typeface="BN Madregot" pitchFamily="2" charset="-79"/>
+              </a:rPr>
+              <a:t>צילום תאריך</a:t>
+            </a:r>
+          </a:p>
+          <a:p>
+            <a:pPr algn="r" rtl="1">
+              <a:buFont typeface="Arial" pitchFamily="34" charset="0"/>
+              <a:buChar char="•"/>
+            </a:pPr>
+            <a:r>
+              <a:rPr lang="en" dirty="0" smtClean="0">
+                <a:latin typeface="BN Madregot" pitchFamily="2" charset="-79"/>
+                <a:cs typeface="BN Madregot" pitchFamily="2" charset="-79"/>
+              </a:rPr>
+              <a:t>התר</a:t>
+            </a:r>
+            <a:r>
+              <a:rPr lang="he-IL" dirty="0" smtClean="0">
+                <a:latin typeface="BN Madregot" pitchFamily="2" charset="-79"/>
+                <a:cs typeface="BN Madregot" pitchFamily="2" charset="-79"/>
+              </a:rPr>
+              <a:t>א</a:t>
+            </a:r>
+            <a:r>
+              <a:rPr lang="en" dirty="0" smtClean="0">
+                <a:latin typeface="BN Madregot" pitchFamily="2" charset="-79"/>
+                <a:cs typeface="BN Madregot" pitchFamily="2" charset="-79"/>
+              </a:rPr>
+              <a:t>ה </a:t>
+            </a:r>
+            <a:r>
+              <a:rPr lang="en" dirty="0" smtClean="0">
+                <a:latin typeface="BN Madregot" pitchFamily="2" charset="-79"/>
+                <a:cs typeface="BN Madregot" pitchFamily="2" charset="-79"/>
+              </a:rPr>
+              <a:t>על תאריך תפוגה של מוצר </a:t>
+            </a:r>
+            <a:endParaRPr dirty="0">
+              <a:latin typeface="BN Madregot" pitchFamily="2" charset="-79"/>
+              <a:cs typeface="BN Madregot" pitchFamily="2" charset="-79"/>
+            </a:endParaRPr>
           </a:p>
         </p:txBody>
       </p:sp>
@@ -8057,6 +7963,75 @@
           <a:p>
             <a:pPr algn="ctr"/>
             <a:r>
+              <a:rPr lang="en-US" dirty="0" smtClean="0"/>
+              <a:t>Using flow</a:t>
+            </a:r>
+            <a:endParaRPr lang="en" dirty="0"/>
+          </a:p>
+        </p:txBody>
+      </p:sp>
+    </p:spTree>
+  </p:cSld>
+  <p:clrMapOvr>
+    <a:masterClrMapping/>
+  </p:clrMapOvr>
+  <p:transition spd="slow">
+    <p:cut/>
+  </p:transition>
+  <p:timing>
+    <p:tnLst>
+      <p:par>
+        <p:cTn id="1" dur="indefinite" restart="never" nodeType="tmRoot"/>
+      </p:par>
+    </p:tnLst>
+  </p:timing>
+</p:sld>
+</file>
+
+<file path=ppt/slides/slide4.xml><?xml version="1.0" encoding="utf-8"?>
+<p:sld xmlns:a="http://schemas.openxmlformats.org/drawingml/2006/main" xmlns:r="http://schemas.openxmlformats.org/officeDocument/2006/relationships" xmlns:p="http://schemas.openxmlformats.org/presentationml/2006/main">
+  <p:cSld>
+    <p:spTree>
+      <p:nvGrpSpPr>
+        <p:cNvPr id="1" name="Shape 67"/>
+        <p:cNvGrpSpPr/>
+        <p:nvPr/>
+      </p:nvGrpSpPr>
+      <p:grpSpPr>
+        <a:xfrm>
+          <a:off x="0" y="0"/>
+          <a:ext cx="0" cy="0"/>
+          <a:chOff x="0" y="0"/>
+          <a:chExt cx="0" cy="0"/>
+        </a:xfrm>
+      </p:grpSpPr>
+      <p:sp>
+        <p:nvSpPr>
+          <p:cNvPr id="68" name="Shape 68"/>
+          <p:cNvSpPr txBox="1">
+            <a:spLocks noGrp="1"/>
+          </p:cNvSpPr>
+          <p:nvPr>
+            <p:ph type="title"/>
+          </p:nvPr>
+        </p:nvSpPr>
+        <p:spPr>
+          <a:xfrm>
+            <a:off x="512700" y="1810350"/>
+            <a:ext cx="8118599" cy="1522800"/>
+          </a:xfrm>
+          <a:prstGeom prst="rect">
+            <a:avLst/>
+          </a:prstGeom>
+        </p:spPr>
+        <p:txBody>
+          <a:bodyPr lIns="91425" tIns="91425" rIns="91425" bIns="91425" anchor="ctr" anchorCtr="0">
+            <a:noAutofit/>
+          </a:bodyPr>
+          <a:lstStyle/>
+          <a:p>
+            <a:pPr algn="ctr"/>
+            <a:r>
               <a:rPr lang="en" dirty="0"/>
               <a:t>System </a:t>
             </a:r>
@@ -8086,7 +8061,7 @@
 </p:sld>
 </file>
 
-<file path=ppt/slides/slide4.xml><?xml version="1.0" encoding="utf-8"?>
+<file path=ppt/slides/slide5.xml><?xml version="1.0" encoding="utf-8"?>
 <p:sld xmlns:a="http://schemas.openxmlformats.org/drawingml/2006/main" xmlns:r="http://schemas.openxmlformats.org/officeDocument/2006/relationships" xmlns:p="http://schemas.openxmlformats.org/presentationml/2006/main">
   <p:cSld>
     <p:bg>
@@ -8167,7 +8142,7 @@
 </p:sld>
 </file>
 
-<file path=ppt/slides/slide5.xml><?xml version="1.0" encoding="utf-8"?>
+<file path=ppt/slides/slide6.xml><?xml version="1.0" encoding="utf-8"?>
 <p:sld xmlns:a="http://schemas.openxmlformats.org/drawingml/2006/main" xmlns:r="http://schemas.openxmlformats.org/officeDocument/2006/relationships" xmlns:p="http://schemas.openxmlformats.org/presentationml/2006/main">
   <p:cSld>
     <p:spTree>
@@ -8220,266 +8195,6 @@
               <a:t>Algorithmics</a:t>
             </a:r>
             <a:endParaRPr lang="en" dirty="0"/>
-          </a:p>
-        </p:txBody>
-      </p:sp>
-    </p:spTree>
-  </p:cSld>
-  <p:clrMapOvr>
-    <a:masterClrMapping/>
-  </p:clrMapOvr>
-  <p:transition spd="slow">
-    <p:cut/>
-  </p:transition>
-  <p:timing>
-    <p:tnLst>
-      <p:par>
-        <p:cTn id="1" dur="indefinite" restart="never" nodeType="tmRoot"/>
-      </p:par>
-    </p:tnLst>
-  </p:timing>
-</p:sld>
-</file>
-
-<file path=ppt/slides/slide6.xml><?xml version="1.0" encoding="utf-8"?>
-<p:sld xmlns:a="http://schemas.openxmlformats.org/drawingml/2006/main" xmlns:r="http://schemas.openxmlformats.org/officeDocument/2006/relationships" xmlns:p="http://schemas.openxmlformats.org/presentationml/2006/main">
-  <p:cSld>
-    <p:spTree>
-      <p:nvGrpSpPr>
-        <p:cNvPr id="1" name="Shape 77"/>
-        <p:cNvGrpSpPr/>
-        <p:nvPr/>
-      </p:nvGrpSpPr>
-      <p:grpSpPr>
-        <a:xfrm>
-          <a:off x="0" y="0"/>
-          <a:ext cx="0" cy="0"/>
-          <a:chOff x="0" y="0"/>
-          <a:chExt cx="0" cy="0"/>
-        </a:xfrm>
-      </p:grpSpPr>
-      <p:sp>
-        <p:nvSpPr>
-          <p:cNvPr id="78" name="Shape 78"/>
-          <p:cNvSpPr txBox="1">
-            <a:spLocks noGrp="1"/>
-          </p:cNvSpPr>
-          <p:nvPr>
-            <p:ph type="title"/>
-          </p:nvPr>
-        </p:nvSpPr>
-        <p:spPr>
-          <a:xfrm>
-            <a:off x="490250" y="1275606"/>
-            <a:ext cx="8258214" cy="3341544"/>
-          </a:xfrm>
-          <a:prstGeom prst="rect">
-            <a:avLst/>
-          </a:prstGeom>
-        </p:spPr>
-        <p:txBody>
-          <a:bodyPr lIns="91425" tIns="91425" rIns="91425" bIns="91425" anchor="ctr" anchorCtr="0">
-            <a:noAutofit/>
-          </a:bodyPr>
-          <a:lstStyle/>
-          <a:p>
-            <a:pPr lvl="0" algn="r" rtl="1">
-              <a:lnSpc>
-                <a:spcPct val="115000"/>
-              </a:lnSpc>
-              <a:spcBef>
-                <a:spcPts val="800"/>
-              </a:spcBef>
-              <a:buClr>
-                <a:schemeClr val="dk1"/>
-              </a:buClr>
-              <a:buSzPct val="34375"/>
-            </a:pPr>
-            <a:r>
-              <a:rPr lang="he-IL" sz="3200" dirty="0" smtClean="0">
-                <a:solidFill>
-                  <a:schemeClr val="dk1"/>
-                </a:solidFill>
-                <a:latin typeface="BN Madregot" pitchFamily="2" charset="-79"/>
-                <a:ea typeface="Arial"/>
-                <a:cs typeface="BN Madregot" pitchFamily="2" charset="-79"/>
-                <a:sym typeface="Arial"/>
-              </a:rPr>
-              <a:t>שלב מקדים: אימון רשת נוירונים</a:t>
-            </a:r>
-            <a:br>
-              <a:rPr lang="he-IL" sz="3200" dirty="0" smtClean="0">
-                <a:solidFill>
-                  <a:schemeClr val="dk1"/>
-                </a:solidFill>
-                <a:latin typeface="BN Madregot" pitchFamily="2" charset="-79"/>
-                <a:ea typeface="Arial"/>
-                <a:cs typeface="BN Madregot" pitchFamily="2" charset="-79"/>
-                <a:sym typeface="Arial"/>
-              </a:rPr>
-            </a:br>
-            <a:r>
-              <a:rPr lang="he-IL" sz="3200" dirty="0" smtClean="0">
-                <a:solidFill>
-                  <a:schemeClr val="dk1"/>
-                </a:solidFill>
-                <a:latin typeface="BN Madregot" pitchFamily="2" charset="-79"/>
-                <a:ea typeface="Arial"/>
-                <a:cs typeface="BN Madregot" pitchFamily="2" charset="-79"/>
-                <a:sym typeface="Arial"/>
-              </a:rPr>
-              <a:t>עיבוד תמונה מקדים</a:t>
-            </a:r>
-            <a:br>
-              <a:rPr lang="he-IL" sz="3200" dirty="0" smtClean="0">
-                <a:solidFill>
-                  <a:schemeClr val="dk1"/>
-                </a:solidFill>
-                <a:latin typeface="BN Madregot" pitchFamily="2" charset="-79"/>
-                <a:ea typeface="Arial"/>
-                <a:cs typeface="BN Madregot" pitchFamily="2" charset="-79"/>
-                <a:sym typeface="Arial"/>
-              </a:rPr>
-            </a:br>
-            <a:r>
-              <a:rPr lang="he-IL" sz="3200" dirty="0" smtClean="0">
-                <a:solidFill>
-                  <a:schemeClr val="dk1"/>
-                </a:solidFill>
-                <a:latin typeface="BN Madregot" pitchFamily="2" charset="-79"/>
-                <a:ea typeface="Arial"/>
-                <a:cs typeface="BN Madregot" pitchFamily="2" charset="-79"/>
-                <a:sym typeface="Arial"/>
-              </a:rPr>
-              <a:t>פירוק אובייקטים מהתמונה</a:t>
-            </a:r>
-            <a:br>
-              <a:rPr lang="he-IL" sz="3200" dirty="0" smtClean="0">
-                <a:solidFill>
-                  <a:schemeClr val="dk1"/>
-                </a:solidFill>
-                <a:latin typeface="BN Madregot" pitchFamily="2" charset="-79"/>
-                <a:ea typeface="Arial"/>
-                <a:cs typeface="BN Madregot" pitchFamily="2" charset="-79"/>
-                <a:sym typeface="Arial"/>
-              </a:rPr>
-            </a:br>
-            <a:r>
-              <a:rPr lang="he-IL" sz="3200" dirty="0" smtClean="0">
-                <a:solidFill>
-                  <a:schemeClr val="dk1"/>
-                </a:solidFill>
-                <a:latin typeface="BN Madregot" pitchFamily="2" charset="-79"/>
-                <a:ea typeface="Arial"/>
-                <a:cs typeface="BN Madregot" pitchFamily="2" charset="-79"/>
-                <a:sym typeface="Arial"/>
-              </a:rPr>
-              <a:t>שימוש ברשת נוירונים לצורך סיווג כל אובייקט</a:t>
-            </a:r>
-            <a:endParaRPr dirty="0">
-              <a:latin typeface="BN Madregot" pitchFamily="2" charset="-79"/>
-              <a:cs typeface="BN Madregot" pitchFamily="2" charset="-79"/>
-            </a:endParaRPr>
-          </a:p>
-        </p:txBody>
-      </p:sp>
-      <p:sp>
-        <p:nvSpPr>
-          <p:cNvPr id="3" name="Shape 83"/>
-          <p:cNvSpPr txBox="1">
-            <a:spLocks/>
-          </p:cNvSpPr>
-          <p:nvPr/>
-        </p:nvSpPr>
-        <p:spPr>
-          <a:xfrm>
-            <a:off x="539552" y="267494"/>
-            <a:ext cx="8118599" cy="936104"/>
-          </a:xfrm>
-          <a:prstGeom prst="rect">
-            <a:avLst/>
-          </a:prstGeom>
-          <a:noFill/>
-          <a:ln>
-            <a:noFill/>
-          </a:ln>
-        </p:spPr>
-        <p:txBody>
-          <a:bodyPr lIns="91425" tIns="91425" rIns="91425" bIns="91425" anchor="ctr" anchorCtr="0">
-            <a:noAutofit/>
-          </a:bodyPr>
-          <a:lstStyle/>
-          <a:p>
-            <a:pPr marL="0" marR="0" lvl="0" indent="0" algn="ctr" defTabSz="914400" rtl="0" eaLnBrk="1" fontAlgn="auto" latinLnBrk="0" hangingPunct="1">
-              <a:lnSpc>
-                <a:spcPct val="100000"/>
-              </a:lnSpc>
-              <a:spcBef>
-                <a:spcPts val="0"/>
-              </a:spcBef>
-              <a:spcAft>
-                <a:spcPts val="0"/>
-              </a:spcAft>
-              <a:buClr>
-                <a:schemeClr val="accent1"/>
-              </a:buClr>
-              <a:buSzPct val="100000"/>
-              <a:buFont typeface="Old Standard TT"/>
-              <a:buNone/>
-              <a:tabLst/>
-              <a:defRPr/>
-            </a:pPr>
-            <a:r>
-              <a:rPr kumimoji="0" lang="he-IL" sz="4400" b="0" i="0" u="none" strike="noStrike" kern="0" cap="none" spc="0" normalizeH="0" baseline="0" noProof="0" dirty="0" smtClean="0">
-                <a:ln>
-                  <a:noFill/>
-                </a:ln>
-                <a:solidFill>
-                  <a:schemeClr val="accent1"/>
-                </a:solidFill>
-                <a:effectLst/>
-                <a:uLnTx/>
-                <a:uFillTx/>
-                <a:latin typeface="BN Madregot" pitchFamily="2" charset="-79"/>
-                <a:ea typeface="Old Standard TT"/>
-                <a:cs typeface="BN Madregot" pitchFamily="2" charset="-79"/>
-                <a:sym typeface="Old Standard TT"/>
-              </a:rPr>
-              <a:t>שלבים</a:t>
-            </a:r>
-            <a:r>
-              <a:rPr kumimoji="0" lang="he-IL" sz="4400" b="0" i="0" u="none" strike="noStrike" kern="0" cap="none" spc="0" normalizeH="0" noProof="0" dirty="0" smtClean="0">
-                <a:ln>
-                  <a:noFill/>
-                </a:ln>
-                <a:solidFill>
-                  <a:schemeClr val="accent1"/>
-                </a:solidFill>
-                <a:effectLst/>
-                <a:uLnTx/>
-                <a:uFillTx/>
-                <a:latin typeface="BN Madregot" pitchFamily="2" charset="-79"/>
-                <a:ea typeface="Old Standard TT"/>
-                <a:cs typeface="BN Madregot" pitchFamily="2" charset="-79"/>
-                <a:sym typeface="Old Standard TT"/>
-              </a:rPr>
-              <a:t> בהפקת תאריך מתמונה</a:t>
-            </a:r>
-            <a:endParaRPr kumimoji="0" lang="en" sz="4400" b="0" i="0" u="none" strike="noStrike" kern="0" cap="none" spc="0" normalizeH="0" baseline="0" noProof="0" dirty="0">
-              <a:ln>
-                <a:noFill/>
-              </a:ln>
-              <a:solidFill>
-                <a:schemeClr val="accent1"/>
-              </a:solidFill>
-              <a:effectLst/>
-              <a:uLnTx/>
-              <a:uFillTx/>
-              <a:latin typeface="BN Madregot" pitchFamily="2" charset="-79"/>
-              <a:ea typeface="Old Standard TT"/>
-              <a:cs typeface="BN Madregot" pitchFamily="2" charset="-79"/>
-              <a:sym typeface="Old Standard TT"/>
-            </a:endParaRPr>
           </a:p>
         </p:txBody>
       </p:sp>
@@ -8530,7 +8245,7 @@
         </p:nvSpPr>
         <p:spPr>
           <a:xfrm>
-            <a:off x="611560" y="2110526"/>
+            <a:off x="490250" y="1059582"/>
             <a:ext cx="8258214" cy="3341544"/>
           </a:xfrm>
           <a:prstGeom prst="rect">
@@ -8565,7 +8280,7 @@
                 <a:cs typeface="BN Madregot" pitchFamily="2" charset="-79"/>
                 <a:sym typeface="Arial"/>
               </a:rPr>
-              <a:t/>
+              <a:t>שלב מקדים: אימון רשת נוירונים</a:t>
             </a:r>
             <a:br>
               <a:rPr lang="he-IL" sz="3200" dirty="0" smtClean="0">
@@ -8588,10 +8303,10 @@
                 <a:cs typeface="BN Madregot" pitchFamily="2" charset="-79"/>
                 <a:sym typeface="Arial"/>
               </a:rPr>
-              <a:t>- רשת נוירונים היא מודל מתמטי </a:t>
+              <a:t>עיבוד תמונה מקדים</a:t>
             </a:r>
-            <a:r>
-              <a:rPr lang="en-US" sz="3200" dirty="0" smtClean="0">
+            <a:br>
+              <a:rPr lang="he-IL" sz="3200" dirty="0" smtClean="0">
                 <a:solidFill>
                   <a:schemeClr val="dk1"/>
                 </a:solidFill>
@@ -8600,10 +8315,9 @@
                 <a:cs typeface="BN Madregot" pitchFamily="2" charset="-79"/>
                 <a:sym typeface="Arial"/>
               </a:rPr>
-              <a:t/>
-            </a:r>
-            <a:br>
-              <a:rPr lang="en-US" sz="3200" dirty="0" smtClean="0">
+            </a:br>
+            <a:r>
+              <a:rPr lang="he-IL" sz="3200" dirty="0" smtClean="0">
                 <a:solidFill>
                   <a:schemeClr val="dk1"/>
                 </a:solidFill>
@@ -8612,8 +8326,9 @@
                 <a:cs typeface="BN Madregot" pitchFamily="2" charset="-79"/>
                 <a:sym typeface="Arial"/>
               </a:rPr>
-            </a:br>
-            <a:r>
+              <a:t>פירוק אובייקטים מהתמונה</a:t>
+            </a:r>
+            <a:br>
               <a:rPr lang="he-IL" sz="3200" dirty="0" smtClean="0">
                 <a:solidFill>
                   <a:schemeClr val="dk1"/>
@@ -8623,10 +8338,9 @@
                 <a:cs typeface="BN Madregot" pitchFamily="2" charset="-79"/>
                 <a:sym typeface="Arial"/>
               </a:rPr>
-              <a:t>המאפשר לבצע הדמיה לתהליכים</a:t>
-            </a:r>
+            </a:br>
             <a:r>
-              <a:rPr lang="en-US" sz="3200" dirty="0" smtClean="0">
+              <a:rPr lang="he-IL" sz="3200" dirty="0" smtClean="0">
                 <a:solidFill>
                   <a:schemeClr val="dk1"/>
                 </a:solidFill>
@@ -8635,182 +8349,8 @@
                 <a:cs typeface="BN Madregot" pitchFamily="2" charset="-79"/>
                 <a:sym typeface="Arial"/>
               </a:rPr>
-              <a:t/>
+              <a:t>שימוש ברשת נוירונים לצורך סיווג כל אובייקט</a:t>
             </a:r>
-            <a:br>
-              <a:rPr lang="en-US" sz="3200" dirty="0" smtClean="0">
-                <a:solidFill>
-                  <a:schemeClr val="dk1"/>
-                </a:solidFill>
-                <a:latin typeface="BN Madregot" pitchFamily="2" charset="-79"/>
-                <a:ea typeface="Arial"/>
-                <a:cs typeface="BN Madregot" pitchFamily="2" charset="-79"/>
-                <a:sym typeface="Arial"/>
-              </a:rPr>
-            </a:br>
-            <a:r>
-              <a:rPr lang="he-IL" sz="3200" dirty="0" smtClean="0">
-                <a:solidFill>
-                  <a:schemeClr val="dk1"/>
-                </a:solidFill>
-                <a:latin typeface="BN Madregot" pitchFamily="2" charset="-79"/>
-                <a:ea typeface="Arial"/>
-                <a:cs typeface="BN Madregot" pitchFamily="2" charset="-79"/>
-                <a:sym typeface="Arial"/>
-              </a:rPr>
-              <a:t>קוגניטיביים המתרחשים במוח</a:t>
-            </a:r>
-            <a:br>
-              <a:rPr lang="he-IL" sz="3200" dirty="0" smtClean="0">
-                <a:solidFill>
-                  <a:schemeClr val="dk1"/>
-                </a:solidFill>
-                <a:latin typeface="BN Madregot" pitchFamily="2" charset="-79"/>
-                <a:ea typeface="Arial"/>
-                <a:cs typeface="BN Madregot" pitchFamily="2" charset="-79"/>
-                <a:sym typeface="Arial"/>
-              </a:rPr>
-            </a:br>
-            <a:r>
-              <a:rPr lang="he-IL" sz="3200" dirty="0" smtClean="0">
-                <a:solidFill>
-                  <a:schemeClr val="dk1"/>
-                </a:solidFill>
-                <a:latin typeface="BN Madregot" pitchFamily="2" charset="-79"/>
-                <a:ea typeface="Arial"/>
-                <a:cs typeface="BN Madregot" pitchFamily="2" charset="-79"/>
-                <a:sym typeface="Arial"/>
-              </a:rPr>
-              <a:t>- יצירת </a:t>
-            </a:r>
-            <a:r>
-              <a:rPr lang="en-US" sz="3200" dirty="0" smtClean="0">
-                <a:solidFill>
-                  <a:schemeClr val="dk1"/>
-                </a:solidFill>
-                <a:latin typeface="BN Madregot" pitchFamily="2" charset="-79"/>
-                <a:ea typeface="Arial"/>
-                <a:cs typeface="BN Madregot" pitchFamily="2" charset="-79"/>
-                <a:sym typeface="Arial"/>
-              </a:rPr>
-              <a:t>Dataset</a:t>
-            </a:r>
-            <a:r>
-              <a:rPr lang="he-IL" sz="3200" dirty="0" smtClean="0">
-                <a:solidFill>
-                  <a:schemeClr val="dk1"/>
-                </a:solidFill>
-                <a:latin typeface="BN Madregot" pitchFamily="2" charset="-79"/>
-                <a:ea typeface="Arial"/>
-                <a:cs typeface="BN Madregot" pitchFamily="2" charset="-79"/>
-                <a:sym typeface="Arial"/>
-              </a:rPr>
-              <a:t>, סיווג ידני</a:t>
-            </a:r>
-            <a:br>
-              <a:rPr lang="he-IL" sz="3200" dirty="0" smtClean="0">
-                <a:solidFill>
-                  <a:schemeClr val="dk1"/>
-                </a:solidFill>
-                <a:latin typeface="BN Madregot" pitchFamily="2" charset="-79"/>
-                <a:ea typeface="Arial"/>
-                <a:cs typeface="BN Madregot" pitchFamily="2" charset="-79"/>
-                <a:sym typeface="Arial"/>
-              </a:rPr>
-            </a:br>
-            <a:r>
-              <a:rPr lang="he-IL" sz="3200" dirty="0" smtClean="0">
-                <a:solidFill>
-                  <a:schemeClr val="dk1"/>
-                </a:solidFill>
-                <a:latin typeface="BN Madregot" pitchFamily="2" charset="-79"/>
-                <a:ea typeface="Arial"/>
-                <a:cs typeface="BN Madregot" pitchFamily="2" charset="-79"/>
-                <a:sym typeface="Arial"/>
-              </a:rPr>
-              <a:t>- גודל ה </a:t>
-            </a:r>
-            <a:r>
-              <a:rPr lang="en-US" sz="3200" dirty="0" smtClean="0">
-                <a:solidFill>
-                  <a:schemeClr val="dk1"/>
-                </a:solidFill>
-                <a:latin typeface="BN Madregot" pitchFamily="2" charset="-79"/>
-                <a:ea typeface="Arial"/>
-                <a:cs typeface="BN Madregot" pitchFamily="2" charset="-79"/>
-                <a:sym typeface="Arial"/>
-              </a:rPr>
-              <a:t>Dataset</a:t>
-            </a:r>
-            <a:r>
-              <a:rPr lang="he-IL" sz="3200" dirty="0" smtClean="0">
-                <a:solidFill>
-                  <a:schemeClr val="dk1"/>
-                </a:solidFill>
-                <a:latin typeface="BN Madregot" pitchFamily="2" charset="-79"/>
-                <a:ea typeface="Arial"/>
-                <a:cs typeface="BN Madregot" pitchFamily="2" charset="-79"/>
-                <a:sym typeface="Arial"/>
-              </a:rPr>
-              <a:t/>
-            </a:r>
-            <a:br>
-              <a:rPr lang="he-IL" sz="3200" dirty="0" smtClean="0">
-                <a:solidFill>
-                  <a:schemeClr val="dk1"/>
-                </a:solidFill>
-                <a:latin typeface="BN Madregot" pitchFamily="2" charset="-79"/>
-                <a:ea typeface="Arial"/>
-                <a:cs typeface="BN Madregot" pitchFamily="2" charset="-79"/>
-                <a:sym typeface="Arial"/>
-              </a:rPr>
-            </a:br>
-            <a:r>
-              <a:rPr lang="he-IL" sz="3200" dirty="0" smtClean="0">
-                <a:solidFill>
-                  <a:schemeClr val="dk1"/>
-                </a:solidFill>
-                <a:latin typeface="BN Madregot" pitchFamily="2" charset="-79"/>
-                <a:ea typeface="Arial"/>
-                <a:cs typeface="BN Madregot" pitchFamily="2" charset="-79"/>
-                <a:sym typeface="Arial"/>
-              </a:rPr>
-              <a:t/>
-            </a:r>
-            <a:br>
-              <a:rPr lang="he-IL" sz="3200" dirty="0" smtClean="0">
-                <a:solidFill>
-                  <a:schemeClr val="dk1"/>
-                </a:solidFill>
-                <a:latin typeface="BN Madregot" pitchFamily="2" charset="-79"/>
-                <a:ea typeface="Arial"/>
-                <a:cs typeface="BN Madregot" pitchFamily="2" charset="-79"/>
-                <a:sym typeface="Arial"/>
-              </a:rPr>
-            </a:br>
-            <a:r>
-              <a:rPr lang="he-IL" sz="3200" dirty="0" smtClean="0">
-                <a:solidFill>
-                  <a:schemeClr val="dk1"/>
-                </a:solidFill>
-                <a:latin typeface="BN Madregot" pitchFamily="2" charset="-79"/>
-                <a:ea typeface="Arial"/>
-                <a:cs typeface="BN Madregot" pitchFamily="2" charset="-79"/>
-                <a:sym typeface="Arial"/>
-              </a:rPr>
-              <a:t/>
-            </a:r>
-            <a:br>
-              <a:rPr lang="he-IL" sz="3200" dirty="0" smtClean="0">
-                <a:solidFill>
-                  <a:schemeClr val="dk1"/>
-                </a:solidFill>
-                <a:latin typeface="BN Madregot" pitchFamily="2" charset="-79"/>
-                <a:ea typeface="Arial"/>
-                <a:cs typeface="BN Madregot" pitchFamily="2" charset="-79"/>
-                <a:sym typeface="Arial"/>
-              </a:rPr>
-            </a:br>
             <a:endParaRPr dirty="0">
               <a:latin typeface="BN Madregot" pitchFamily="2" charset="-79"/>
               <a:cs typeface="BN Madregot" pitchFamily="2" charset="-79"/>
@@ -8828,7 +8368,7 @@
         </p:nvSpPr>
         <p:spPr>
           <a:xfrm>
-            <a:off x="2411760" y="339502"/>
+            <a:off x="539552" y="267494"/>
             <a:ext cx="8118599" cy="936104"/>
           </a:xfrm>
           <a:prstGeom prst="rect">
@@ -8880,7 +8420,25 @@
                 <a:cs typeface="BN Madregot" pitchFamily="2" charset="-79"/>
                 <a:sym typeface="Old Standard TT"/>
               </a:rPr>
-              <a:t>רשת נוירונים</a:t>
+              <a:t>שלבים</a:t>
+            </a:r>
+            <a:r>
+              <a:rPr kumimoji="0" lang="he-IL" sz="4400" b="0" i="0" u="none" strike="noStrike" kern="0" cap="none" spc="0" normalizeH="0" noProof="0" dirty="0" smtClean="0">
+                <a:ln>
+                  <a:noFill/>
+                </a:ln>
+                <a:solidFill>
+                  <a:schemeClr val="accent1"/>
+                </a:solidFill>
+                <a:effectLst/>
+                <a:uLnTx/>
+                <a:uFillTx/>
+                <a:latin typeface="BN Madregot" pitchFamily="2" charset="-79"/>
+                <a:ea typeface="Old Standard TT"/>
+                <a:cs typeface="BN Madregot" pitchFamily="2" charset="-79"/>
+                <a:sym typeface="Old Standard TT"/>
+              </a:rPr>
+              <a:t> בהפקת תאריך מתמונה</a:t>
             </a:r>
             <a:endParaRPr kumimoji="0" lang="en" sz="4400" b="0" i="0" u="none" strike="noStrike" kern="0" cap="none" spc="0" normalizeH="0" baseline="0" noProof="0" dirty="0">
               <a:ln>
@@ -8900,67 +8458,6 @@
           </a:p>
         </p:txBody>
       </p:sp>
-      <p:pic>
-        <p:nvPicPr>
-          <p:cNvPr id="4" name="תמונה 3" descr="NN.jpg"/>
-          <p:cNvPicPr>
-            <a:picLocks noChangeAspect="1"/>
-          </p:cNvPicPr>
-          <p:nvPr/>
-        </p:nvPicPr>
-        <p:blipFill>
-          <a:blip r:embed="rId3"/>
-          <a:stretch>
-            <a:fillRect/>
-          </a:stretch>
-        </p:blipFill>
-        <p:spPr>
-          <a:xfrm>
-            <a:off x="107504" y="123478"/>
-            <a:ext cx="2651787" cy="1491630"/>
-          </a:xfrm>
-          <a:prstGeom prst="rect">
-            <a:avLst/>
-          </a:prstGeom>
-        </p:spPr>
-      </p:pic>
-      <p:pic>
-        <p:nvPicPr>
-          <p:cNvPr id="1026" name="Picture 2" descr="C:\Users\Barda-A&amp;A\Google Drive\FinalProject\TypedDB\TypedNums1.jpg"/>
-          <p:cNvPicPr>
-            <a:picLocks noChangeAspect="1" noChangeArrowheads="1"/>
-          </p:cNvPicPr>
-          <p:nvPr/>
-        </p:nvPicPr>
-        <p:blipFill>
-          <a:blip r:embed="rId4">
-            <a:clrChange>
-              <a:clrFrom>
-                <a:srgbClr val="FFFFFF"/>
-              </a:clrFrom>
-              <a:clrTo>
-                <a:srgbClr val="FFFFFF">
-                  <a:alpha val="0"/>
-                </a:srgbClr>
-              </a:clrTo>
-            </a:clrChange>
-          </a:blip>
-          <a:srcRect l="67059" t="44464" r="8185" b="27242"/>
-          <a:stretch>
-            <a:fillRect/>
-          </a:stretch>
-        </p:blipFill>
-        <p:spPr bwMode="auto">
-          <a:xfrm>
-            <a:off x="467544" y="1635646"/>
-            <a:ext cx="1872208" cy="3024336"/>
-          </a:xfrm>
-          <a:prstGeom prst="rect">
-            <a:avLst/>
-          </a:prstGeom>
-          <a:noFill/>
-        </p:spPr>
-      </p:pic>
     </p:spTree>
   </p:cSld>
   <p:clrMapOvr>
@@ -9008,7 +8505,7 @@
         </p:nvSpPr>
         <p:spPr>
           <a:xfrm>
-            <a:off x="562258" y="1750486"/>
+            <a:off x="611560" y="2110526"/>
             <a:ext cx="8258214" cy="3341544"/>
           </a:xfrm>
           <a:prstGeom prst="rect">
@@ -9043,10 +8540,10 @@
                 <a:cs typeface="BN Madregot" pitchFamily="2" charset="-79"/>
                 <a:sym typeface="Arial"/>
               </a:rPr>
-              <a:t>- גודל כל תמונה </a:t>
+              <a:t/>
             </a:r>
-            <a:r>
-              <a:rPr lang="en-US" sz="3200" dirty="0" smtClean="0">
+            <a:br>
+              <a:rPr lang="he-IL" sz="3200" dirty="0" smtClean="0">
                 <a:solidFill>
                   <a:schemeClr val="dk1"/>
                 </a:solidFill>
@@ -9055,8 +8552,7 @@
                 <a:cs typeface="BN Madregot" pitchFamily="2" charset="-79"/>
                 <a:sym typeface="Arial"/>
               </a:rPr>
-              <a:t>46X46=2116</a:t>
-            </a:r>
+            </a:br>
             <a:r>
               <a:rPr lang="he-IL" sz="3200" dirty="0" smtClean="0">
                 <a:solidFill>
@@ -9067,6 +8563,170 @@
                 <a:cs typeface="BN Madregot" pitchFamily="2" charset="-79"/>
                 <a:sym typeface="Arial"/>
               </a:rPr>
+              <a:t>- רשת נוירונים היא מודל מתמטי </a:t>
+            </a:r>
+            <a:r>
+              <a:rPr lang="en-US" sz="3200" dirty="0" smtClean="0">
+                <a:solidFill>
+                  <a:schemeClr val="dk1"/>
+                </a:solidFill>
+                <a:latin typeface="BN Madregot" pitchFamily="2" charset="-79"/>
+                <a:ea typeface="Arial"/>
+                <a:cs typeface="BN Madregot" pitchFamily="2" charset="-79"/>
+                <a:sym typeface="Arial"/>
+              </a:rPr>
+              <a:t/>
+            </a:r>
+            <a:br>
+              <a:rPr lang="en-US" sz="3200" dirty="0" smtClean="0">
+                <a:solidFill>
+                  <a:schemeClr val="dk1"/>
+                </a:solidFill>
+                <a:latin typeface="BN Madregot" pitchFamily="2" charset="-79"/>
+                <a:ea typeface="Arial"/>
+                <a:cs typeface="BN Madregot" pitchFamily="2" charset="-79"/>
+                <a:sym typeface="Arial"/>
+              </a:rPr>
+            </a:br>
+            <a:r>
+              <a:rPr lang="he-IL" sz="3200" dirty="0" smtClean="0">
+                <a:solidFill>
+                  <a:schemeClr val="dk1"/>
+                </a:solidFill>
+                <a:latin typeface="BN Madregot" pitchFamily="2" charset="-79"/>
+                <a:ea typeface="Arial"/>
+                <a:cs typeface="BN Madregot" pitchFamily="2" charset="-79"/>
+                <a:sym typeface="Arial"/>
+              </a:rPr>
+              <a:t>המאפשר לבצע הדמיה לתהליכים</a:t>
+            </a:r>
+            <a:r>
+              <a:rPr lang="en-US" sz="3200" dirty="0" smtClean="0">
+                <a:solidFill>
+                  <a:schemeClr val="dk1"/>
+                </a:solidFill>
+                <a:latin typeface="BN Madregot" pitchFamily="2" charset="-79"/>
+                <a:ea typeface="Arial"/>
+                <a:cs typeface="BN Madregot" pitchFamily="2" charset="-79"/>
+                <a:sym typeface="Arial"/>
+              </a:rPr>
+              <a:t/>
+            </a:r>
+            <a:br>
+              <a:rPr lang="en-US" sz="3200" dirty="0" smtClean="0">
+                <a:solidFill>
+                  <a:schemeClr val="dk1"/>
+                </a:solidFill>
+                <a:latin typeface="BN Madregot" pitchFamily="2" charset="-79"/>
+                <a:ea typeface="Arial"/>
+                <a:cs typeface="BN Madregot" pitchFamily="2" charset="-79"/>
+                <a:sym typeface="Arial"/>
+              </a:rPr>
+            </a:br>
+            <a:r>
+              <a:rPr lang="he-IL" sz="3200" dirty="0" smtClean="0">
+                <a:solidFill>
+                  <a:schemeClr val="dk1"/>
+                </a:solidFill>
+                <a:latin typeface="BN Madregot" pitchFamily="2" charset="-79"/>
+                <a:ea typeface="Arial"/>
+                <a:cs typeface="BN Madregot" pitchFamily="2" charset="-79"/>
+                <a:sym typeface="Arial"/>
+              </a:rPr>
+              <a:t>קוגניטיביים המתרחשים במוח</a:t>
+            </a:r>
+            <a:br>
+              <a:rPr lang="he-IL" sz="3200" dirty="0" smtClean="0">
+                <a:solidFill>
+                  <a:schemeClr val="dk1"/>
+                </a:solidFill>
+                <a:latin typeface="BN Madregot" pitchFamily="2" charset="-79"/>
+                <a:ea typeface="Arial"/>
+                <a:cs typeface="BN Madregot" pitchFamily="2" charset="-79"/>
+                <a:sym typeface="Arial"/>
+              </a:rPr>
+            </a:br>
+            <a:r>
+              <a:rPr lang="he-IL" sz="3200" dirty="0" smtClean="0">
+                <a:solidFill>
+                  <a:schemeClr val="dk1"/>
+                </a:solidFill>
+                <a:latin typeface="BN Madregot" pitchFamily="2" charset="-79"/>
+                <a:ea typeface="Arial"/>
+                <a:cs typeface="BN Madregot" pitchFamily="2" charset="-79"/>
+                <a:sym typeface="Arial"/>
+              </a:rPr>
+              <a:t>- יצירת </a:t>
+            </a:r>
+            <a:r>
+              <a:rPr lang="en-US" sz="3200" dirty="0" smtClean="0">
+                <a:solidFill>
+                  <a:schemeClr val="dk1"/>
+                </a:solidFill>
+                <a:latin typeface="BN Madregot" pitchFamily="2" charset="-79"/>
+                <a:ea typeface="Arial"/>
+                <a:cs typeface="BN Madregot" pitchFamily="2" charset="-79"/>
+                <a:sym typeface="Arial"/>
+              </a:rPr>
+              <a:t>Dataset</a:t>
+            </a:r>
+            <a:r>
+              <a:rPr lang="he-IL" sz="3200" dirty="0" smtClean="0">
+                <a:solidFill>
+                  <a:schemeClr val="dk1"/>
+                </a:solidFill>
+                <a:latin typeface="BN Madregot" pitchFamily="2" charset="-79"/>
+                <a:ea typeface="Arial"/>
+                <a:cs typeface="BN Madregot" pitchFamily="2" charset="-79"/>
+                <a:sym typeface="Arial"/>
+              </a:rPr>
+              <a:t>, סיווג ידני</a:t>
+            </a:r>
+            <a:br>
+              <a:rPr lang="he-IL" sz="3200" dirty="0" smtClean="0">
+                <a:solidFill>
+                  <a:schemeClr val="dk1"/>
+                </a:solidFill>
+                <a:latin typeface="BN Madregot" pitchFamily="2" charset="-79"/>
+                <a:ea typeface="Arial"/>
+                <a:cs typeface="BN Madregot" pitchFamily="2" charset="-79"/>
+                <a:sym typeface="Arial"/>
+              </a:rPr>
+            </a:br>
+            <a:r>
+              <a:rPr lang="he-IL" sz="3200" dirty="0" smtClean="0">
+                <a:solidFill>
+                  <a:schemeClr val="dk1"/>
+                </a:solidFill>
+                <a:latin typeface="BN Madregot" pitchFamily="2" charset="-79"/>
+                <a:ea typeface="Arial"/>
+                <a:cs typeface="BN Madregot" pitchFamily="2" charset="-79"/>
+                <a:sym typeface="Arial"/>
+              </a:rPr>
+              <a:t>- גודל ה </a:t>
+            </a:r>
+            <a:r>
+              <a:rPr lang="en-US" sz="3200" dirty="0" smtClean="0">
+                <a:solidFill>
+                  <a:schemeClr val="dk1"/>
+                </a:solidFill>
+                <a:latin typeface="BN Madregot" pitchFamily="2" charset="-79"/>
+                <a:ea typeface="Arial"/>
+                <a:cs typeface="BN Madregot" pitchFamily="2" charset="-79"/>
+                <a:sym typeface="Arial"/>
+              </a:rPr>
+              <a:t>Dataset</a:t>
+            </a:r>
+            <a:r>
+              <a:rPr lang="he-IL" sz="3200" dirty="0" smtClean="0">
+                <a:solidFill>
+                  <a:schemeClr val="dk1"/>
+                </a:solidFill>
+                <a:latin typeface="BN Madregot" pitchFamily="2" charset="-79"/>
+                <a:ea typeface="Arial"/>
+                <a:cs typeface="BN Madregot" pitchFamily="2" charset="-79"/>
+                <a:sym typeface="Arial"/>
+              </a:rPr>
               <a:t/>
             </a:r>
             <a:br>
@@ -9090,10 +8750,10 @@
                 <a:cs typeface="BN Madregot" pitchFamily="2" charset="-79"/>
                 <a:sym typeface="Arial"/>
               </a:rPr>
-              <a:t>- גודל כל </a:t>
+              <a:t/>
             </a:r>
-            <a:r>
-              <a:rPr lang="en-US" sz="3200" dirty="0" smtClean="0">
+            <a:br>
+              <a:rPr lang="he-IL" sz="3200" dirty="0" smtClean="0">
                 <a:solidFill>
                   <a:schemeClr val="dk1"/>
                 </a:solidFill>
@@ -9102,8 +8762,7 @@
                 <a:cs typeface="BN Madregot" pitchFamily="2" charset="-79"/>
                 <a:sym typeface="Arial"/>
               </a:rPr>
-              <a:t>Layer</a:t>
-            </a:r>
+            </a:br>
             <a:r>
               <a:rPr lang="he-IL" sz="3200" dirty="0" smtClean="0">
                 <a:solidFill>
@@ -9115,122 +8774,6 @@
                 <a:sym typeface="Arial"/>
               </a:rPr>
               <a:t/>
-            </a:r>
-            <a:br>
-              <a:rPr lang="he-IL" sz="3200" dirty="0" smtClean="0">
-                <a:solidFill>
-                  <a:schemeClr val="dk1"/>
-                </a:solidFill>
-                <a:latin typeface="BN Madregot" pitchFamily="2" charset="-79"/>
-                <a:ea typeface="Arial"/>
-                <a:cs typeface="BN Madregot" pitchFamily="2" charset="-79"/>
-                <a:sym typeface="Arial"/>
-              </a:rPr>
-            </a:br>
-            <a:r>
-              <a:rPr lang="he-IL" sz="3200" dirty="0" smtClean="0">
-                <a:solidFill>
-                  <a:schemeClr val="dk1"/>
-                </a:solidFill>
-                <a:latin typeface="BN Madregot" pitchFamily="2" charset="-79"/>
-                <a:ea typeface="Arial"/>
-                <a:cs typeface="BN Madregot" pitchFamily="2" charset="-79"/>
-                <a:sym typeface="Arial"/>
-              </a:rPr>
-              <a:t>- האימון הוא תהליך </a:t>
-            </a:r>
-            <a:r>
-              <a:rPr lang="he-IL" sz="3200" dirty="0" err="1" smtClean="0">
-                <a:solidFill>
-                  <a:schemeClr val="dk1"/>
-                </a:solidFill>
-                <a:latin typeface="BN Madregot" pitchFamily="2" charset="-79"/>
-                <a:ea typeface="Arial"/>
-                <a:cs typeface="BN Madregot" pitchFamily="2" charset="-79"/>
-                <a:sym typeface="Arial"/>
-              </a:rPr>
-              <a:t>איטרטיבי</a:t>
-            </a:r>
-            <a:r>
-              <a:rPr lang="en-US" sz="3200" dirty="0" smtClean="0">
-                <a:solidFill>
-                  <a:schemeClr val="dk1"/>
-                </a:solidFill>
-                <a:latin typeface="BN Madregot" pitchFamily="2" charset="-79"/>
-                <a:ea typeface="Arial"/>
-                <a:cs typeface="BN Madregot" pitchFamily="2" charset="-79"/>
-                <a:sym typeface="Arial"/>
-              </a:rPr>
-              <a:t/>
-            </a:r>
-            <a:br>
-              <a:rPr lang="en-US" sz="3200" dirty="0" smtClean="0">
-                <a:solidFill>
-                  <a:schemeClr val="dk1"/>
-                </a:solidFill>
-                <a:latin typeface="BN Madregot" pitchFamily="2" charset="-79"/>
-                <a:ea typeface="Arial"/>
-                <a:cs typeface="BN Madregot" pitchFamily="2" charset="-79"/>
-                <a:sym typeface="Arial"/>
-              </a:rPr>
-            </a:br>
-            <a:r>
-              <a:rPr lang="he-IL" sz="3200" dirty="0" smtClean="0">
-                <a:solidFill>
-                  <a:schemeClr val="dk1"/>
-                </a:solidFill>
-                <a:latin typeface="BN Madregot" pitchFamily="2" charset="-79"/>
-                <a:ea typeface="Arial"/>
-                <a:cs typeface="BN Madregot" pitchFamily="2" charset="-79"/>
-                <a:sym typeface="Arial"/>
-              </a:rPr>
-              <a:t>שמטרתו מזעור פונקצית מחיר</a:t>
-            </a:r>
-            <a:br>
-              <a:rPr lang="he-IL" sz="3200" dirty="0" smtClean="0">
-                <a:solidFill>
-                  <a:schemeClr val="dk1"/>
-                </a:solidFill>
-                <a:latin typeface="BN Madregot" pitchFamily="2" charset="-79"/>
-                <a:ea typeface="Arial"/>
-                <a:cs typeface="BN Madregot" pitchFamily="2" charset="-79"/>
-                <a:sym typeface="Arial"/>
-              </a:rPr>
-            </a:br>
-            <a:r>
-              <a:rPr lang="he-IL" sz="3200" dirty="0" smtClean="0">
-                <a:solidFill>
-                  <a:schemeClr val="dk1"/>
-                </a:solidFill>
-                <a:latin typeface="BN Madregot" pitchFamily="2" charset="-79"/>
-                <a:ea typeface="Arial"/>
-                <a:cs typeface="BN Madregot" pitchFamily="2" charset="-79"/>
-                <a:sym typeface="Arial"/>
-              </a:rPr>
-              <a:t>- לאחר האימון נקבעים ערכי כל צומת</a:t>
-            </a:r>
-            <a:br>
-              <a:rPr lang="he-IL" sz="3200" dirty="0" smtClean="0">
-                <a:solidFill>
-                  <a:schemeClr val="dk1"/>
-                </a:solidFill>
-                <a:latin typeface="BN Madregot" pitchFamily="2" charset="-79"/>
-                <a:ea typeface="Arial"/>
-                <a:cs typeface="BN Madregot" pitchFamily="2" charset="-79"/>
-                <a:sym typeface="Arial"/>
-              </a:rPr>
-            </a:br>
-            <a:r>
-              <a:rPr lang="he-IL" sz="3200" dirty="0" smtClean="0">
-                <a:solidFill>
-                  <a:schemeClr val="dk1"/>
-                </a:solidFill>
-                <a:latin typeface="BN Madregot" pitchFamily="2" charset="-79"/>
-                <a:ea typeface="Arial"/>
-                <a:cs typeface="BN Madregot" pitchFamily="2" charset="-79"/>
-                <a:sym typeface="Arial"/>
-              </a:rPr>
-              <a:t>- בתום האימון, בהינתן קלט הרשת חוזה מהי הספרה הסבירה ביותר  </a:t>
             </a:r>
             <a:br>
               <a:rPr lang="he-IL" sz="3200" dirty="0" smtClean="0">
@@ -9260,7 +8803,7 @@
         </p:nvSpPr>
         <p:spPr>
           <a:xfrm>
-            <a:off x="683568" y="195486"/>
+            <a:off x="2411760" y="339502"/>
             <a:ext cx="8118599" cy="936104"/>
           </a:xfrm>
           <a:prstGeom prst="rect">
@@ -9312,43 +8855,7 @@
                 <a:cs typeface="BN Madregot" pitchFamily="2" charset="-79"/>
                 <a:sym typeface="Old Standard TT"/>
               </a:rPr>
-              <a:t>אימון</a:t>
-            </a:r>
-            <a:r>
-              <a:rPr kumimoji="0" lang="he-IL" sz="4400" b="0" i="0" u="none" strike="noStrike" kern="0" cap="none" spc="0" normalizeH="0" noProof="0" dirty="0" smtClean="0">
-                <a:ln>
-                  <a:noFill/>
-                </a:ln>
-                <a:solidFill>
-                  <a:schemeClr val="accent1"/>
-                </a:solidFill>
-                <a:effectLst/>
-                <a:uLnTx/>
-                <a:uFillTx/>
-                <a:latin typeface="BN Madregot" pitchFamily="2" charset="-79"/>
-                <a:ea typeface="Old Standard TT"/>
-                <a:cs typeface="BN Madregot" pitchFamily="2" charset="-79"/>
-                <a:sym typeface="Old Standard TT"/>
-              </a:rPr>
-              <a:t> </a:t>
-            </a:r>
-            <a:r>
-              <a:rPr kumimoji="0" lang="he-IL" sz="4400" b="0" i="0" u="none" strike="noStrike" kern="0" cap="none" spc="0" normalizeH="0" baseline="0" noProof="0" dirty="0" smtClean="0">
-                <a:ln>
-                  <a:noFill/>
-                </a:ln>
-                <a:solidFill>
-                  <a:schemeClr val="accent1"/>
-                </a:solidFill>
-                <a:effectLst/>
-                <a:uLnTx/>
-                <a:uFillTx/>
-                <a:latin typeface="BN Madregot" pitchFamily="2" charset="-79"/>
-                <a:ea typeface="Old Standard TT"/>
-                <a:cs typeface="BN Madregot" pitchFamily="2" charset="-79"/>
-                <a:sym typeface="Old Standard TT"/>
-              </a:rPr>
-              <a:t>רשת הנוירונים</a:t>
+              <a:t>רשת נוירונים</a:t>
             </a:r>
             <a:endParaRPr kumimoji="0" lang="en" sz="4400" b="0" i="0" u="none" strike="noStrike" kern="0" cap="none" spc="0" normalizeH="0" baseline="0" noProof="0" dirty="0">
               <a:ln>
@@ -9370,7 +8877,7 @@
       </p:sp>
       <p:pic>
         <p:nvPicPr>
-          <p:cNvPr id="6" name="תמונה 5" descr="NN2.png"/>
+          <p:cNvPr id="4" name="תמונה 3" descr="NN.jpg"/>
           <p:cNvPicPr>
             <a:picLocks noChangeAspect="1"/>
           </p:cNvPicPr>
@@ -9384,12 +8891,49 @@
         </p:blipFill>
         <p:spPr>
           <a:xfrm>
-            <a:off x="251520" y="987574"/>
-            <a:ext cx="3240360" cy="2337753"/>
+            <a:off x="107504" y="123478"/>
+            <a:ext cx="2651787" cy="1491630"/>
           </a:xfrm>
           <a:prstGeom prst="rect">
             <a:avLst/>
           </a:prstGeom>
+        </p:spPr>
+      </p:pic>
+      <p:pic>
+        <p:nvPicPr>
+          <p:cNvPr id="1026" name="Picture 2" descr="C:\Users\Barda-A&amp;A\Google Drive\FinalProject\TypedDB\TypedNums1.jpg"/>
+          <p:cNvPicPr>
+            <a:picLocks noChangeAspect="1" noChangeArrowheads="1"/>
+          </p:cNvPicPr>
+          <p:nvPr/>
+        </p:nvPicPr>
+        <p:blipFill>
+          <a:blip r:embed="rId4">
+            <a:clrChange>
+              <a:clrFrom>
+                <a:srgbClr val="FFFFFF"/>
+              </a:clrFrom>
+              <a:clrTo>
+                <a:srgbClr val="FFFFFF">
+                  <a:alpha val="0"/>
+                </a:srgbClr>
+              </a:clrTo>
+            </a:clrChange>
+          </a:blip>
+          <a:srcRect l="67059" t="44464" r="8185" b="27242"/>
+          <a:stretch>
+            <a:fillRect/>
+          </a:stretch>
+        </p:blipFill>
+        <p:spPr bwMode="auto">
+          <a:xfrm>
+            <a:off x="467544" y="1635646"/>
+            <a:ext cx="1872208" cy="3024336"/>
+          </a:xfrm>
+          <a:prstGeom prst="rect">
+            <a:avLst/>
+          </a:prstGeom>
+          <a:noFill/>
         </p:spPr>
       </p:pic>
     </p:spTree>
@@ -9429,6 +8973,260 @@
       </p:grpSpPr>
       <p:sp>
         <p:nvSpPr>
+          <p:cNvPr id="78" name="Shape 78"/>
+          <p:cNvSpPr txBox="1">
+            <a:spLocks noGrp="1"/>
+          </p:cNvSpPr>
+          <p:nvPr>
+            <p:ph type="title"/>
+          </p:nvPr>
+        </p:nvSpPr>
+        <p:spPr>
+          <a:xfrm>
+            <a:off x="562258" y="1750486"/>
+            <a:ext cx="8258214" cy="3341544"/>
+          </a:xfrm>
+          <a:prstGeom prst="rect">
+            <a:avLst/>
+          </a:prstGeom>
+        </p:spPr>
+        <p:txBody>
+          <a:bodyPr lIns="91425" tIns="91425" rIns="91425" bIns="91425" anchor="ctr" anchorCtr="0">
+            <a:noAutofit/>
+          </a:bodyPr>
+          <a:lstStyle/>
+          <a:p>
+            <a:pPr lvl="0" algn="r" rtl="1">
+              <a:lnSpc>
+                <a:spcPct val="115000"/>
+              </a:lnSpc>
+              <a:spcBef>
+                <a:spcPts val="800"/>
+              </a:spcBef>
+              <a:buClr>
+                <a:schemeClr val="dk1"/>
+              </a:buClr>
+              <a:buSzPct val="34375"/>
+            </a:pPr>
+            <a:r>
+              <a:rPr lang="he-IL" sz="3200" dirty="0" smtClean="0">
+                <a:solidFill>
+                  <a:schemeClr val="dk1"/>
+                </a:solidFill>
+                <a:latin typeface="BN Madregot" pitchFamily="2" charset="-79"/>
+                <a:ea typeface="Arial"/>
+                <a:cs typeface="BN Madregot" pitchFamily="2" charset="-79"/>
+                <a:sym typeface="Arial"/>
+              </a:rPr>
+              <a:t>- גודל כל תמונה </a:t>
+            </a:r>
+            <a:r>
+              <a:rPr lang="en-US" sz="3200" dirty="0" smtClean="0">
+                <a:solidFill>
+                  <a:schemeClr val="dk1"/>
+                </a:solidFill>
+                <a:latin typeface="BN Madregot" pitchFamily="2" charset="-79"/>
+                <a:ea typeface="Arial"/>
+                <a:cs typeface="BN Madregot" pitchFamily="2" charset="-79"/>
+                <a:sym typeface="Arial"/>
+              </a:rPr>
+              <a:t>46X46=2116</a:t>
+            </a:r>
+            <a:r>
+              <a:rPr lang="he-IL" sz="3200" dirty="0" smtClean="0">
+                <a:solidFill>
+                  <a:schemeClr val="dk1"/>
+                </a:solidFill>
+                <a:latin typeface="BN Madregot" pitchFamily="2" charset="-79"/>
+                <a:ea typeface="Arial"/>
+                <a:cs typeface="BN Madregot" pitchFamily="2" charset="-79"/>
+                <a:sym typeface="Arial"/>
+              </a:rPr>
+              <a:t/>
+            </a:r>
+            <a:br>
+              <a:rPr lang="he-IL" sz="3200" dirty="0" smtClean="0">
+                <a:solidFill>
+                  <a:schemeClr val="dk1"/>
+                </a:solidFill>
+                <a:latin typeface="BN Madregot" pitchFamily="2" charset="-79"/>
+                <a:ea typeface="Arial"/>
+                <a:cs typeface="BN Madregot" pitchFamily="2" charset="-79"/>
+                <a:sym typeface="Arial"/>
+              </a:rPr>
+            </a:br>
+            <a:r>
+              <a:rPr lang="he-IL" sz="3200" dirty="0" smtClean="0">
+                <a:solidFill>
+                  <a:schemeClr val="dk1"/>
+                </a:solidFill>
+                <a:latin typeface="BN Madregot" pitchFamily="2" charset="-79"/>
+                <a:ea typeface="Arial"/>
+                <a:cs typeface="BN Madregot" pitchFamily="2" charset="-79"/>
+                <a:sym typeface="Arial"/>
+              </a:rPr>
+              <a:t>- גודל כל </a:t>
+            </a:r>
+            <a:r>
+              <a:rPr lang="en-US" sz="3200" dirty="0" smtClean="0">
+                <a:solidFill>
+                  <a:schemeClr val="dk1"/>
+                </a:solidFill>
+                <a:latin typeface="BN Madregot" pitchFamily="2" charset="-79"/>
+                <a:ea typeface="Arial"/>
+                <a:cs typeface="BN Madregot" pitchFamily="2" charset="-79"/>
+                <a:sym typeface="Arial"/>
+              </a:rPr>
+              <a:t>Layer</a:t>
+            </a:r>
+            <a:r>
+              <a:rPr lang="he-IL" sz="3200" dirty="0" smtClean="0">
+                <a:solidFill>
+                  <a:schemeClr val="dk1"/>
+                </a:solidFill>
+                <a:latin typeface="BN Madregot" pitchFamily="2" charset="-79"/>
+                <a:ea typeface="Arial"/>
+                <a:cs typeface="BN Madregot" pitchFamily="2" charset="-79"/>
+                <a:sym typeface="Arial"/>
+              </a:rPr>
+              <a:t/>
+            </a:r>
+            <a:br>
+              <a:rPr lang="he-IL" sz="3200" dirty="0" smtClean="0">
+                <a:solidFill>
+                  <a:schemeClr val="dk1"/>
+                </a:solidFill>
+                <a:latin typeface="BN Madregot" pitchFamily="2" charset="-79"/>
+                <a:ea typeface="Arial"/>
+                <a:cs typeface="BN Madregot" pitchFamily="2" charset="-79"/>
+                <a:sym typeface="Arial"/>
+              </a:rPr>
+            </a:br>
+            <a:r>
+              <a:rPr lang="he-IL" sz="3200" dirty="0" smtClean="0">
+                <a:solidFill>
+                  <a:schemeClr val="dk1"/>
+                </a:solidFill>
+                <a:latin typeface="BN Madregot" pitchFamily="2" charset="-79"/>
+                <a:ea typeface="Arial"/>
+                <a:cs typeface="BN Madregot" pitchFamily="2" charset="-79"/>
+                <a:sym typeface="Arial"/>
+              </a:rPr>
+              <a:t>- האימון הוא תהליך </a:t>
+            </a:r>
+            <a:r>
+              <a:rPr lang="he-IL" sz="3200" dirty="0" err="1" smtClean="0">
+                <a:solidFill>
+                  <a:schemeClr val="dk1"/>
+                </a:solidFill>
+                <a:latin typeface="BN Madregot" pitchFamily="2" charset="-79"/>
+                <a:ea typeface="Arial"/>
+                <a:cs typeface="BN Madregot" pitchFamily="2" charset="-79"/>
+                <a:sym typeface="Arial"/>
+              </a:rPr>
+              <a:t>איטרטיבי</a:t>
+            </a:r>
+            <a:r>
+              <a:rPr lang="en-US" sz="3200" dirty="0" smtClean="0">
+                <a:solidFill>
+                  <a:schemeClr val="dk1"/>
+                </a:solidFill>
+                <a:latin typeface="BN Madregot" pitchFamily="2" charset="-79"/>
+                <a:ea typeface="Arial"/>
+                <a:cs typeface="BN Madregot" pitchFamily="2" charset="-79"/>
+                <a:sym typeface="Arial"/>
+              </a:rPr>
+              <a:t/>
+            </a:r>
+            <a:br>
+              <a:rPr lang="en-US" sz="3200" dirty="0" smtClean="0">
+                <a:solidFill>
+                  <a:schemeClr val="dk1"/>
+                </a:solidFill>
+                <a:latin typeface="BN Madregot" pitchFamily="2" charset="-79"/>
+                <a:ea typeface="Arial"/>
+                <a:cs typeface="BN Madregot" pitchFamily="2" charset="-79"/>
+                <a:sym typeface="Arial"/>
+              </a:rPr>
+            </a:br>
+            <a:r>
+              <a:rPr lang="he-IL" sz="3200" dirty="0" smtClean="0">
+                <a:solidFill>
+                  <a:schemeClr val="dk1"/>
+                </a:solidFill>
+                <a:latin typeface="BN Madregot" pitchFamily="2" charset="-79"/>
+                <a:ea typeface="Arial"/>
+                <a:cs typeface="BN Madregot" pitchFamily="2" charset="-79"/>
+                <a:sym typeface="Arial"/>
+              </a:rPr>
+              <a:t>שמטרתו מזעור פונקצית מחיר</a:t>
+            </a:r>
+            <a:br>
+              <a:rPr lang="he-IL" sz="3200" dirty="0" smtClean="0">
+                <a:solidFill>
+                  <a:schemeClr val="dk1"/>
+                </a:solidFill>
+                <a:latin typeface="BN Madregot" pitchFamily="2" charset="-79"/>
+                <a:ea typeface="Arial"/>
+                <a:cs typeface="BN Madregot" pitchFamily="2" charset="-79"/>
+                <a:sym typeface="Arial"/>
+              </a:rPr>
+            </a:br>
+            <a:r>
+              <a:rPr lang="he-IL" sz="3200" dirty="0" smtClean="0">
+                <a:solidFill>
+                  <a:schemeClr val="dk1"/>
+                </a:solidFill>
+                <a:latin typeface="BN Madregot" pitchFamily="2" charset="-79"/>
+                <a:ea typeface="Arial"/>
+                <a:cs typeface="BN Madregot" pitchFamily="2" charset="-79"/>
+                <a:sym typeface="Arial"/>
+              </a:rPr>
+              <a:t>- לאחר האימון נקבעים ערכי כל צומת</a:t>
+            </a:r>
+            <a:br>
+              <a:rPr lang="he-IL" sz="3200" dirty="0" smtClean="0">
+                <a:solidFill>
+                  <a:schemeClr val="dk1"/>
+                </a:solidFill>
+                <a:latin typeface="BN Madregot" pitchFamily="2" charset="-79"/>
+                <a:ea typeface="Arial"/>
+                <a:cs typeface="BN Madregot" pitchFamily="2" charset="-79"/>
+                <a:sym typeface="Arial"/>
+              </a:rPr>
+            </a:br>
+            <a:r>
+              <a:rPr lang="he-IL" sz="3200" dirty="0" smtClean="0">
+                <a:solidFill>
+                  <a:schemeClr val="dk1"/>
+                </a:solidFill>
+                <a:latin typeface="BN Madregot" pitchFamily="2" charset="-79"/>
+                <a:ea typeface="Arial"/>
+                <a:cs typeface="BN Madregot" pitchFamily="2" charset="-79"/>
+                <a:sym typeface="Arial"/>
+              </a:rPr>
+              <a:t>- בתום האימון, בהינתן קלט הרשת חוזה מהי הספרה הסבירה ביותר  </a:t>
+            </a:r>
+            <a:br>
+              <a:rPr lang="he-IL" sz="3200" dirty="0" smtClean="0">
+                <a:solidFill>
+                  <a:schemeClr val="dk1"/>
+                </a:solidFill>
+                <a:latin typeface="BN Madregot" pitchFamily="2" charset="-79"/>
+                <a:ea typeface="Arial"/>
+                <a:cs typeface="BN Madregot" pitchFamily="2" charset="-79"/>
+                <a:sym typeface="Arial"/>
+              </a:rPr>
+            </a:br>
+            <a:endParaRPr dirty="0">
+              <a:latin typeface="BN Madregot" pitchFamily="2" charset="-79"/>
+              <a:cs typeface="BN Madregot" pitchFamily="2" charset="-79"/>
+            </a:endParaRPr>
+          </a:p>
+        </p:txBody>
+      </p:sp>
+      <p:sp>
+        <p:nvSpPr>
           <p:cNvPr id="3" name="Shape 83"/>
           <p:cNvSpPr txBox="1">
             <a:spLocks/>
@@ -9489,7 +9287,43 @@
                 <a:cs typeface="BN Madregot" pitchFamily="2" charset="-79"/>
                 <a:sym typeface="Old Standard TT"/>
               </a:rPr>
-              <a:t>עיבוד תמונה מקדים</a:t>
+              <a:t>אימון</a:t>
+            </a:r>
+            <a:r>
+              <a:rPr kumimoji="0" lang="he-IL" sz="4400" b="0" i="0" u="none" strike="noStrike" kern="0" cap="none" spc="0" normalizeH="0" noProof="0" dirty="0" smtClean="0">
+                <a:ln>
+                  <a:noFill/>
+                </a:ln>
+                <a:solidFill>
+                  <a:schemeClr val="accent1"/>
+                </a:solidFill>
+                <a:effectLst/>
+                <a:uLnTx/>
+                <a:uFillTx/>
+                <a:latin typeface="BN Madregot" pitchFamily="2" charset="-79"/>
+                <a:ea typeface="Old Standard TT"/>
+                <a:cs typeface="BN Madregot" pitchFamily="2" charset="-79"/>
+                <a:sym typeface="Old Standard TT"/>
+              </a:rPr>
+              <a:t> </a:t>
+            </a:r>
+            <a:r>
+              <a:rPr kumimoji="0" lang="he-IL" sz="4400" b="0" i="0" u="none" strike="noStrike" kern="0" cap="none" spc="0" normalizeH="0" baseline="0" noProof="0" dirty="0" smtClean="0">
+                <a:ln>
+                  <a:noFill/>
+                </a:ln>
+                <a:solidFill>
+                  <a:schemeClr val="accent1"/>
+                </a:solidFill>
+                <a:effectLst/>
+                <a:uLnTx/>
+                <a:uFillTx/>
+                <a:latin typeface="BN Madregot" pitchFamily="2" charset="-79"/>
+                <a:ea typeface="Old Standard TT"/>
+                <a:cs typeface="BN Madregot" pitchFamily="2" charset="-79"/>
+                <a:sym typeface="Old Standard TT"/>
+              </a:rPr>
+              <a:t>רשת הנוירונים</a:t>
             </a:r>
             <a:endParaRPr kumimoji="0" lang="en" sz="4400" b="0" i="0" u="none" strike="noStrike" kern="0" cap="none" spc="0" normalizeH="0" baseline="0" noProof="0" dirty="0">
               <a:ln>
@@ -9511,237 +9345,28 @@
       </p:sp>
       <p:pic>
         <p:nvPicPr>
-          <p:cNvPr id="2050" name="Picture 2" descr="C:\Projects\FinalProjectGit\FinalsProject\DateReader\Images\1.jpg"/>
+          <p:cNvPr id="6" name="תמונה 5" descr="NN2.png"/>
           <p:cNvPicPr>
-            <a:picLocks noChangeAspect="1" noChangeArrowheads="1"/>
+            <a:picLocks noChangeAspect="1"/>
           </p:cNvPicPr>
           <p:nvPr/>
         </p:nvPicPr>
         <p:blipFill>
           <a:blip r:embed="rId3"/>
-          <a:srcRect l="5882" t="9769" r="2941" b="12082"/>
           <a:stretch>
             <a:fillRect/>
           </a:stretch>
         </p:blipFill>
-        <p:spPr bwMode="auto">
-          <a:xfrm>
-            <a:off x="467544" y="1491630"/>
-            <a:ext cx="3627403" cy="936104"/>
+        <p:spPr>
+          <a:xfrm>
+            <a:off x="251520" y="987574"/>
+            <a:ext cx="3240360" cy="2337753"/>
           </a:xfrm>
           <a:prstGeom prst="rect">
             <a:avLst/>
           </a:prstGeom>
-          <a:noFill/>
         </p:spPr>
       </p:pic>
-      <p:pic>
-        <p:nvPicPr>
-          <p:cNvPr id="2051" name="Picture 3" descr="C:\Projects\FinalProjectGit\FinalsProject\DateReader\Images\2.jpg"/>
-          <p:cNvPicPr>
-            <a:picLocks noChangeAspect="1" noChangeArrowheads="1"/>
-          </p:cNvPicPr>
-          <p:nvPr/>
-        </p:nvPicPr>
-        <p:blipFill>
-          <a:blip r:embed="rId4"/>
-          <a:srcRect l="5791" t="13444" r="4445" b="9617"/>
-          <a:stretch>
-            <a:fillRect/>
-          </a:stretch>
-        </p:blipFill>
-        <p:spPr bwMode="auto">
-          <a:xfrm>
-            <a:off x="467544" y="3219822"/>
-            <a:ext cx="3627403" cy="936104"/>
-          </a:xfrm>
-          <a:prstGeom prst="rect">
-            <a:avLst/>
-          </a:prstGeom>
-          <a:noFill/>
-        </p:spPr>
-      </p:pic>
-      <p:pic>
-        <p:nvPicPr>
-          <p:cNvPr id="2052" name="Picture 4" descr="C:\Projects\FinalProjectGit\FinalsProject\DateReader\Images\3.jpg"/>
-          <p:cNvPicPr>
-            <a:picLocks noChangeAspect="1" noChangeArrowheads="1"/>
-          </p:cNvPicPr>
-          <p:nvPr/>
-        </p:nvPicPr>
-        <p:blipFill>
-          <a:blip r:embed="rId5"/>
-          <a:srcRect l="5474" t="9091" r="5843" b="13182"/>
-          <a:stretch>
-            <a:fillRect/>
-          </a:stretch>
-        </p:blipFill>
-        <p:spPr bwMode="auto">
-          <a:xfrm>
-            <a:off x="4860032" y="1491630"/>
-            <a:ext cx="3851920" cy="1016479"/>
-          </a:xfrm>
-          <a:prstGeom prst="rect">
-            <a:avLst/>
-          </a:prstGeom>
-          <a:noFill/>
-        </p:spPr>
-      </p:pic>
-      <p:pic>
-        <p:nvPicPr>
-          <p:cNvPr id="2053" name="Picture 5" descr="C:\Projects\FinalProjectGit\FinalsProject\DateReader\Images\4.jpg"/>
-          <p:cNvPicPr>
-            <a:picLocks noChangeAspect="1" noChangeArrowheads="1"/>
-          </p:cNvPicPr>
-          <p:nvPr/>
-        </p:nvPicPr>
-        <p:blipFill>
-          <a:blip r:embed="rId6"/>
-          <a:srcRect l="5196" t="8628" r="5059" b="12931"/>
-          <a:stretch>
-            <a:fillRect/>
-          </a:stretch>
-        </p:blipFill>
-        <p:spPr bwMode="auto">
-          <a:xfrm>
-            <a:off x="4860032" y="3147814"/>
-            <a:ext cx="4090054" cy="1076331"/>
-          </a:xfrm>
-          <a:prstGeom prst="rect">
-            <a:avLst/>
-          </a:prstGeom>
-          <a:noFill/>
-        </p:spPr>
-      </p:pic>
-      <p:sp>
-        <p:nvSpPr>
-          <p:cNvPr id="22" name="חץ למטה 21"/>
-          <p:cNvSpPr/>
-          <p:nvPr/>
-        </p:nvSpPr>
-        <p:spPr>
-          <a:xfrm>
-            <a:off x="2123728" y="2571750"/>
-            <a:ext cx="144016" cy="288032"/>
-          </a:xfrm>
-          <a:prstGeom prst="downArrow">
-            <a:avLst>
-              <a:gd name="adj1" fmla="val 36772"/>
-              <a:gd name="adj2" fmla="val 50000"/>
-            </a:avLst>
-          </a:prstGeom>
-        </p:spPr>
-        <p:style>
-          <a:lnRef idx="2">
-            <a:schemeClr val="accent1">
-              <a:shade val="50000"/>
-            </a:schemeClr>
-          </a:lnRef>
-          <a:fillRef idx="1">
-            <a:schemeClr val="accent1"/>
-          </a:fillRef>
-          <a:effectRef idx="0">
-            <a:schemeClr val="accent1"/>
-          </a:effectRef>
-          <a:fontRef idx="minor">
-            <a:schemeClr val="lt1"/>
-          </a:fontRef>
-        </p:style>
-        <p:txBody>
-          <a:bodyPr rtlCol="1" anchor="ctr"/>
-          <a:lstStyle/>
-          <a:p>
-            <a:pPr algn="ctr"/>
-            <a:endParaRPr lang="he-IL"/>
-          </a:p>
-        </p:txBody>
-      </p:sp>
-      <p:sp>
-        <p:nvSpPr>
-          <p:cNvPr id="24" name="חץ למטה 23"/>
-          <p:cNvSpPr/>
-          <p:nvPr/>
-        </p:nvSpPr>
-        <p:spPr>
-          <a:xfrm rot="13223387">
-            <a:off x="4355976" y="2787774"/>
-            <a:ext cx="144016" cy="288032"/>
-          </a:xfrm>
-          <a:prstGeom prst="downArrow">
-            <a:avLst>
-              <a:gd name="adj1" fmla="val 36772"/>
-              <a:gd name="adj2" fmla="val 50000"/>
-            </a:avLst>
-          </a:prstGeom>
-        </p:spPr>
-        <p:style>
-          <a:lnRef idx="2">
-            <a:schemeClr val="accent1">
-              <a:shade val="50000"/>
-            </a:schemeClr>
-          </a:lnRef>
-          <a:fillRef idx="1">
-            <a:schemeClr val="accent1"/>
-          </a:fillRef>
-          <a:effectRef idx="0">
-            <a:schemeClr val="accent1"/>
-          </a:effectRef>
-          <a:fontRef idx="minor">
-            <a:schemeClr val="lt1"/>
-          </a:fontRef>
-        </p:style>
-        <p:txBody>
-          <a:bodyPr rtlCol="1" anchor="ctr"/>
-          <a:lstStyle/>
-          <a:p>
-            <a:pPr algn="ctr"/>
-            <a:endParaRPr lang="he-IL"/>
-          </a:p>
-        </p:txBody>
-      </p:sp>
-      <p:sp>
-        <p:nvSpPr>
-          <p:cNvPr id="25" name="חץ למטה 24"/>
-          <p:cNvSpPr/>
-          <p:nvPr/>
-        </p:nvSpPr>
-        <p:spPr>
-          <a:xfrm>
-            <a:off x="6876256" y="2643758"/>
-            <a:ext cx="144016" cy="288032"/>
-          </a:xfrm>
-          <a:prstGeom prst="downArrow">
-            <a:avLst>
-              <a:gd name="adj1" fmla="val 36772"/>
-              <a:gd name="adj2" fmla="val 50000"/>
-            </a:avLst>
-          </a:prstGeom>
-        </p:spPr>
-        <p:style>
-          <a:lnRef idx="2">
-            <a:schemeClr val="accent1">
-              <a:shade val="50000"/>
-            </a:schemeClr>
-          </a:lnRef>
-          <a:fillRef idx="1">
-            <a:schemeClr val="accent1"/>
-          </a:fillRef>
-          <a:effectRef idx="0">
-            <a:schemeClr val="accent1"/>
-          </a:effectRef>
-          <a:fontRef idx="minor">
-            <a:schemeClr val="lt1"/>
-          </a:fontRef>
-        </p:style>
-        <p:txBody>
-          <a:bodyPr rtlCol="1" anchor="ctr"/>
-          <a:lstStyle/>
-          <a:p>
-            <a:pPr algn="ctr"/>
-            <a:endParaRPr lang="he-IL"/>
-          </a:p>
-        </p:txBody>
-      </p:sp>
     </p:spTree>
   </p:cSld>
   <p:clrMapOvr>
